--- a/homeworks/reports/KMP.30.11.22/Amarskiy. KMP. 30.11.22. report.pptx
+++ b/homeworks/reports/KMP.30.11.22/Amarskiy. KMP. 30.11.22. report.pptx
@@ -1,6 +1,6 @@
 
 <file path=ppt/presentation.xml><?xml version="1.0" encoding="utf-8"?>
-<p:presentation xmlns:a="http://schemas.openxmlformats.org/drawingml/2006/main" xmlns:r="http://schemas.openxmlformats.org/officeDocument/2006/relationships" xmlns:mc="http://schemas.openxmlformats.org/markup-compatibility/2006" xmlns:mv="urn:schemas-microsoft-com:mac:vml" xmlns:p="http://schemas.openxmlformats.org/presentationml/2006/main" xmlns:c="http://schemas.openxmlformats.org/drawingml/2006/chart" xmlns:dgm="http://schemas.openxmlformats.org/drawingml/2006/diagram" xmlns:o="urn:schemas-microsoft-com:office:office" xmlns:v="urn:schemas-microsoft-com:vml" xmlns:pvml="urn:schemas-microsoft-com:office:powerpoint" xmlns:com="http://schemas.openxmlformats.org/drawingml/2006/compatibility" xmlns:p14="http://schemas.microsoft.com/office/powerpoint/2010/main" xmlns:p15="http://schemas.microsoft.com/office/powerpoint/2012/main" xmlns:ahyp="http://schemas.microsoft.com/office/drawing/2018/hyperlinkcolor" autoCompressPictures="0" embedTrueTypeFonts="1" strictFirstAndLastChars="0" saveSubsetFonts="1">
+<p:presentation xmlns:a="http://schemas.openxmlformats.org/drawingml/2006/main" xmlns:r="http://schemas.openxmlformats.org/officeDocument/2006/relationships" xmlns:mc="http://schemas.openxmlformats.org/markup-compatibility/2006" xmlns:mv="urn:schemas-microsoft-com:mac:vml" xmlns:p="http://schemas.openxmlformats.org/presentationml/2006/main" xmlns:c="http://schemas.openxmlformats.org/drawingml/2006/chart" xmlns:dgm="http://schemas.openxmlformats.org/drawingml/2006/diagram" xmlns:o="urn:schemas-microsoft-com:office:office" xmlns:v="urn:schemas-microsoft-com:vml" xmlns:pvml="urn:schemas-microsoft-com:office:powerpoint" xmlns:com="http://schemas.openxmlformats.org/drawingml/2006/compatibility" xmlns:p14="http://schemas.microsoft.com/office/powerpoint/2010/main" xmlns:p15="http://schemas.microsoft.com/office/powerpoint/2012/main" xmlns:ahyp="http://schemas.microsoft.com/office/drawing/2018/hyperlinkcolor" autoCompressPictures="0" embedTrueTypeFonts="1" strictFirstAndLastChars="0" saveSubsetFonts="1" showSpecialPlsOnTitleSld="0">
   <p:sldMasterIdLst>
     <p:sldMasterId id="2147483659" r:id="rId4"/>
   </p:sldMasterIdLst>
@@ -16,20 +16,21 @@
     <p:sldId id="261" r:id="rId11"/>
     <p:sldId id="262" r:id="rId12"/>
     <p:sldId id="263" r:id="rId13"/>
+    <p:sldId id="264" r:id="rId14"/>
   </p:sldIdLst>
   <p:sldSz cy="5143500" cx="9144000"/>
   <p:notesSz cx="6858000" cy="9144000"/>
   <p:embeddedFontLst>
     <p:embeddedFont>
       <p:font typeface="Proxima Nova"/>
-      <p:regular r:id="rId14"/>
-      <p:bold r:id="rId15"/>
-      <p:italic r:id="rId16"/>
-      <p:boldItalic r:id="rId17"/>
+      <p:regular r:id="rId15"/>
+      <p:bold r:id="rId16"/>
+      <p:italic r:id="rId17"/>
+      <p:boldItalic r:id="rId18"/>
     </p:embeddedFont>
     <p:embeddedFont>
       <p:font typeface="Alfa Slab One"/>
-      <p:regular r:id="rId18"/>
+      <p:regular r:id="rId19"/>
     </p:embeddedFont>
   </p:embeddedFontLst>
   <p:defaultTextStyle>
@@ -909,7 +910,7 @@
   <p:cSld>
     <p:spTree>
       <p:nvGrpSpPr>
-        <p:cNvPr id="66" name="Shape 66"/>
+        <p:cNvPr id="67" name="Shape 67"/>
         <p:cNvGrpSpPr/>
         <p:nvPr/>
       </p:nvGrpSpPr>
@@ -923,7 +924,7 @@
       </p:grpSpPr>
       <p:sp>
         <p:nvSpPr>
-          <p:cNvPr id="67" name="Google Shape;67;g175133a0184_0_63:notes"/>
+          <p:cNvPr id="68" name="Google Shape;68;g175133a0184_0_63:notes"/>
           <p:cNvSpPr/>
           <p:nvPr>
             <p:ph idx="2" type="sldImg"/>
@@ -958,7 +959,7 @@
       </p:sp>
       <p:sp>
         <p:nvSpPr>
-          <p:cNvPr id="68" name="Google Shape;68;g175133a0184_0_63:notes"/>
+          <p:cNvPr id="69" name="Google Shape;69;g175133a0184_0_63:notes"/>
           <p:cNvSpPr txBox="1"/>
           <p:nvPr>
             <p:ph idx="1" type="body"/>
@@ -1008,7 +1009,7 @@
   <p:cSld>
     <p:spTree>
       <p:nvGrpSpPr>
-        <p:cNvPr id="72" name="Shape 72"/>
+        <p:cNvPr id="74" name="Shape 74"/>
         <p:cNvGrpSpPr/>
         <p:nvPr/>
       </p:nvGrpSpPr>
@@ -1022,7 +1023,7 @@
       </p:grpSpPr>
       <p:sp>
         <p:nvSpPr>
-          <p:cNvPr id="73" name="Google Shape;73;g175133a0184_1_8:notes"/>
+          <p:cNvPr id="75" name="Google Shape;75;g175133a0184_1_8:notes"/>
           <p:cNvSpPr/>
           <p:nvPr>
             <p:ph idx="2" type="sldImg"/>
@@ -1057,7 +1058,7 @@
       </p:sp>
       <p:sp>
         <p:nvSpPr>
-          <p:cNvPr id="74" name="Google Shape;74;g175133a0184_1_8:notes"/>
+          <p:cNvPr id="76" name="Google Shape;76;g175133a0184_1_8:notes"/>
           <p:cNvSpPr txBox="1"/>
           <p:nvPr>
             <p:ph idx="1" type="body"/>
@@ -1107,7 +1108,7 @@
   <p:cSld>
     <p:spTree>
       <p:nvGrpSpPr>
-        <p:cNvPr id="80" name="Shape 80"/>
+        <p:cNvPr id="83" name="Shape 83"/>
         <p:cNvGrpSpPr/>
         <p:nvPr/>
       </p:nvGrpSpPr>
@@ -1121,7 +1122,7 @@
       </p:grpSpPr>
       <p:sp>
         <p:nvSpPr>
-          <p:cNvPr id="81" name="Google Shape;81;g175133a0184_1_3:notes"/>
+          <p:cNvPr id="84" name="Google Shape;84;g175133a0184_1_3:notes"/>
           <p:cNvSpPr/>
           <p:nvPr>
             <p:ph idx="2" type="sldImg"/>
@@ -1156,7 +1157,7 @@
       </p:sp>
       <p:sp>
         <p:nvSpPr>
-          <p:cNvPr id="82" name="Google Shape;82;g175133a0184_1_3:notes"/>
+          <p:cNvPr id="85" name="Google Shape;85;g175133a0184_1_3:notes"/>
           <p:cNvSpPr txBox="1"/>
           <p:nvPr>
             <p:ph idx="1" type="body"/>
@@ -1206,7 +1207,7 @@
   <p:cSld>
     <p:spTree>
       <p:nvGrpSpPr>
-        <p:cNvPr id="86" name="Shape 86"/>
+        <p:cNvPr id="90" name="Shape 90"/>
         <p:cNvGrpSpPr/>
         <p:nvPr/>
       </p:nvGrpSpPr>
@@ -1220,7 +1221,7 @@
       </p:grpSpPr>
       <p:sp>
         <p:nvSpPr>
-          <p:cNvPr id="87" name="Google Shape;87;g175133a0184_3_3:notes"/>
+          <p:cNvPr id="91" name="Google Shape;91;g175133a0184_3_3:notes"/>
           <p:cNvSpPr/>
           <p:nvPr>
             <p:ph idx="2" type="sldImg"/>
@@ -1255,7 +1256,7 @@
       </p:sp>
       <p:sp>
         <p:nvSpPr>
-          <p:cNvPr id="88" name="Google Shape;88;g175133a0184_3_3:notes"/>
+          <p:cNvPr id="92" name="Google Shape;92;g175133a0184_3_3:notes"/>
           <p:cNvSpPr txBox="1"/>
           <p:nvPr>
             <p:ph idx="1" type="body"/>
@@ -1305,7 +1306,7 @@
   <p:cSld>
     <p:spTree>
       <p:nvGrpSpPr>
-        <p:cNvPr id="95" name="Shape 95"/>
+        <p:cNvPr id="100" name="Shape 100"/>
         <p:cNvGrpSpPr/>
         <p:nvPr/>
       </p:nvGrpSpPr>
@@ -1319,7 +1320,7 @@
       </p:grpSpPr>
       <p:sp>
         <p:nvSpPr>
-          <p:cNvPr id="96" name="Google Shape;96;g175133a0184_4_3:notes"/>
+          <p:cNvPr id="101" name="Google Shape;101;g175133a0184_4_3:notes"/>
           <p:cNvSpPr/>
           <p:nvPr>
             <p:ph idx="2" type="sldImg"/>
@@ -1354,7 +1355,7 @@
       </p:sp>
       <p:sp>
         <p:nvSpPr>
-          <p:cNvPr id="97" name="Google Shape;97;g175133a0184_4_3:notes"/>
+          <p:cNvPr id="102" name="Google Shape;102;g175133a0184_4_3:notes"/>
           <p:cNvSpPr txBox="1"/>
           <p:nvPr>
             <p:ph idx="1" type="body"/>
@@ -1404,7 +1405,7 @@
   <p:cSld>
     <p:spTree>
       <p:nvGrpSpPr>
-        <p:cNvPr id="103" name="Shape 103"/>
+        <p:cNvPr id="109" name="Shape 109"/>
         <p:cNvGrpSpPr/>
         <p:nvPr/>
       </p:nvGrpSpPr>
@@ -1418,7 +1419,7 @@
       </p:grpSpPr>
       <p:sp>
         <p:nvSpPr>
-          <p:cNvPr id="104" name="Google Shape;104;g175133a0184_4_11:notes"/>
+          <p:cNvPr id="110" name="Google Shape;110;g19a35418544_1_8:notes"/>
           <p:cNvSpPr/>
           <p:nvPr>
             <p:ph idx="2" type="sldImg"/>
@@ -1453,7 +1454,106 @@
       </p:sp>
       <p:sp>
         <p:nvSpPr>
-          <p:cNvPr id="105" name="Google Shape;105;g175133a0184_4_11:notes"/>
+          <p:cNvPr id="111" name="Google Shape;111;g19a35418544_1_8:notes"/>
+          <p:cNvSpPr txBox="1"/>
+          <p:nvPr>
+            <p:ph idx="1" type="body"/>
+          </p:nvPr>
+        </p:nvSpPr>
+        <p:spPr>
+          <a:xfrm>
+            <a:off x="685800" y="4343400"/>
+            <a:ext cx="5486400" cy="4114800"/>
+          </a:xfrm>
+          <a:prstGeom prst="rect">
+            <a:avLst/>
+          </a:prstGeom>
+        </p:spPr>
+        <p:txBody>
+          <a:bodyPr anchorCtr="0" anchor="t" bIns="91425" lIns="91425" spcFirstLastPara="1" rIns="91425" wrap="square" tIns="91425">
+            <a:noAutofit/>
+          </a:bodyPr>
+          <a:lstStyle/>
+          <a:p>
+            <a:pPr indent="0" lvl="0" marL="0" rtl="0" algn="l">
+              <a:spcBef>
+                <a:spcPts val="0"/>
+              </a:spcBef>
+              <a:spcAft>
+                <a:spcPts val="0"/>
+              </a:spcAft>
+              <a:buNone/>
+            </a:pPr>
+            <a:r>
+              <a:t/>
+            </a:r>
+            <a:endParaRPr/>
+          </a:p>
+        </p:txBody>
+      </p:sp>
+    </p:spTree>
+  </p:cSld>
+  <p:clrMapOvr>
+    <a:masterClrMapping/>
+  </p:clrMapOvr>
+</p:notes>
+</file>
+
+<file path=ppt/notesSlides/notesSlide9.xml><?xml version="1.0" encoding="utf-8"?>
+<p:notes xmlns:a="http://schemas.openxmlformats.org/drawingml/2006/main" xmlns:r="http://schemas.openxmlformats.org/officeDocument/2006/relationships" xmlns:mc="http://schemas.openxmlformats.org/markup-compatibility/2006" xmlns:mv="urn:schemas-microsoft-com:mac:vml" xmlns:p="http://schemas.openxmlformats.org/presentationml/2006/main" xmlns:c="http://schemas.openxmlformats.org/drawingml/2006/chart" xmlns:dgm="http://schemas.openxmlformats.org/drawingml/2006/diagram" xmlns:o="urn:schemas-microsoft-com:office:office" xmlns:v="urn:schemas-microsoft-com:vml" xmlns:pvml="urn:schemas-microsoft-com:office:powerpoint" xmlns:com="http://schemas.openxmlformats.org/drawingml/2006/compatibility" xmlns:p14="http://schemas.microsoft.com/office/powerpoint/2010/main" xmlns:p15="http://schemas.microsoft.com/office/powerpoint/2012/main" xmlns:ahyp="http://schemas.microsoft.com/office/drawing/2018/hyperlinkcolor" showMasterPhAnim="0" showMasterSp="0">
+  <p:cSld>
+    <p:spTree>
+      <p:nvGrpSpPr>
+        <p:cNvPr id="119" name="Shape 119"/>
+        <p:cNvGrpSpPr/>
+        <p:nvPr/>
+      </p:nvGrpSpPr>
+      <p:grpSpPr>
+        <a:xfrm>
+          <a:off x="0" y="0"/>
+          <a:ext cx="0" cy="0"/>
+          <a:chOff x="0" y="0"/>
+          <a:chExt cx="0" cy="0"/>
+        </a:xfrm>
+      </p:grpSpPr>
+      <p:sp>
+        <p:nvSpPr>
+          <p:cNvPr id="120" name="Google Shape;120;g175133a0184_4_11:notes"/>
+          <p:cNvSpPr/>
+          <p:nvPr>
+            <p:ph idx="2" type="sldImg"/>
+          </p:nvPr>
+        </p:nvSpPr>
+        <p:spPr>
+          <a:xfrm>
+            <a:off x="381300" y="685800"/>
+            <a:ext cx="6096000" cy="3429000"/>
+          </a:xfrm>
+          <a:custGeom>
+            <a:rect b="b" l="l" r="r" t="t"/>
+            <a:pathLst>
+              <a:path extrusionOk="0" h="120000" w="120000">
+                <a:moveTo>
+                  <a:pt x="0" y="0"/>
+                </a:moveTo>
+                <a:lnTo>
+                  <a:pt x="120000" y="0"/>
+                </a:lnTo>
+                <a:lnTo>
+                  <a:pt x="120000" y="120000"/>
+                </a:lnTo>
+                <a:lnTo>
+                  <a:pt x="0" y="120000"/>
+                </a:lnTo>
+                <a:close/>
+              </a:path>
+            </a:pathLst>
+          </a:custGeom>
+        </p:spPr>
+      </p:sp>
+      <p:sp>
+        <p:nvSpPr>
+          <p:cNvPr id="121" name="Google Shape;121;g175133a0184_4_11:notes"/>
           <p:cNvSpPr txBox="1"/>
           <p:nvPr>
             <p:ph idx="1" type="body"/>
@@ -6018,7 +6118,7 @@
     <p:sldLayoutId id="2147483657" r:id="rId10"/>
     <p:sldLayoutId id="2147483658" r:id="rId11"/>
   </p:sldLayoutIdLst>
-  <p:hf dt="0" ftr="0" hdr="0" sldNum="0"/>
+  <p:hf dt="0" ftr="0" hdr="0"/>
   <p:txStyles>
     <p:titleStyle>
       <a:defPPr lvl="0" marR="0" rtl="0" algn="l">
@@ -6859,7 +6959,7 @@
         </p:nvSpPr>
         <p:spPr>
           <a:xfrm>
-            <a:off x="311700" y="192875"/>
+            <a:off x="311700" y="208325"/>
             <a:ext cx="7330200" cy="1065900"/>
           </a:xfrm>
           <a:prstGeom prst="rect">
@@ -6915,7 +7015,7 @@
         <p:spPr>
           <a:xfrm>
             <a:off x="311700" y="925925"/>
-            <a:ext cx="3858300" cy="3659700"/>
+            <a:ext cx="3858300" cy="4932600"/>
           </a:xfrm>
           <a:prstGeom prst="rect">
             <a:avLst/>
@@ -6923,7 +7023,7 @@
         </p:spPr>
         <p:txBody>
           <a:bodyPr anchorCtr="0" anchor="ctr" bIns="91425" lIns="91425" spcFirstLastPara="1" rIns="91425" wrap="square" tIns="91425">
-            <a:normAutofit fontScale="70000" lnSpcReduction="20000"/>
+            <a:spAutoFit/>
           </a:bodyPr>
           <a:lstStyle/>
           <a:p>
@@ -6942,110 +7042,114 @@
             <a:endParaRPr sz="1600"/>
           </a:p>
           <a:p>
-            <a:pPr indent="-320295" lvl="0" marL="457200" rtl="0" algn="l">
+            <a:pPr indent="-334375" lvl="0" marL="457200" rtl="0" algn="l">
               <a:spcBef>
                 <a:spcPts val="1200"/>
               </a:spcBef>
               <a:spcAft>
                 <a:spcPts val="0"/>
               </a:spcAft>
-              <a:buSzPct val="87834"/>
+              <a:buSzPts val="1666"/>
               <a:buChar char="●"/>
             </a:pPr>
             <a:r>
-              <a:rPr lang="ru" sz="2348"/>
+              <a:rPr lang="ru" sz="1951"/>
               <a:t>Поиск подстроки в строке</a:t>
             </a:r>
-            <a:endParaRPr sz="2348"/>
-          </a:p>
-          <a:p>
-            <a:pPr indent="-332995" lvl="0" marL="457200" rtl="0" algn="l">
-              <a:spcBef>
-                <a:spcPts val="0"/>
-              </a:spcBef>
-              <a:spcAft>
-                <a:spcPts val="0"/>
-              </a:spcAft>
-              <a:buSzPct val="100000"/>
+            <a:endParaRPr sz="1951"/>
+          </a:p>
+          <a:p>
+            <a:pPr indent="-352518" lvl="0" marL="457200" rtl="0" algn="l">
+              <a:spcBef>
+                <a:spcPts val="0"/>
+              </a:spcBef>
+              <a:spcAft>
+                <a:spcPts val="0"/>
+              </a:spcAft>
+              <a:buSzPts val="1951"/>
               <a:buChar char="●"/>
             </a:pPr>
             <a:r>
-              <a:rPr lang="ru" sz="2348"/>
+              <a:rPr lang="ru" sz="1951"/>
               <a:t>Прямая реализация</a:t>
             </a:r>
-            <a:endParaRPr sz="2348"/>
-          </a:p>
-          <a:p>
-            <a:pPr indent="-310410" lvl="1" marL="914400" rtl="0" algn="l">
-              <a:spcBef>
-                <a:spcPts val="0"/>
-              </a:spcBef>
-              <a:spcAft>
-                <a:spcPts val="0"/>
-              </a:spcAft>
-              <a:buSzPct val="100000"/>
+            <a:endParaRPr sz="1951"/>
+          </a:p>
+          <a:p>
+            <a:pPr indent="-320253" lvl="1" marL="914400" rtl="0" algn="l">
+              <a:spcBef>
+                <a:spcPts val="0"/>
+              </a:spcBef>
+              <a:spcAft>
+                <a:spcPts val="0"/>
+              </a:spcAft>
+              <a:buSzPts val="1443"/>
               <a:buChar char="○"/>
             </a:pPr>
             <a:r>
-              <a:rPr lang="ru" sz="1840"/>
+              <a:rPr lang="ru" sz="1443"/>
               <a:t>Сравниваем пока совпадают</a:t>
             </a:r>
-            <a:endParaRPr sz="1840"/>
-          </a:p>
-          <a:p>
-            <a:pPr indent="-310410" lvl="1" marL="914400" rtl="0" algn="l">
-              <a:spcBef>
-                <a:spcPts val="0"/>
-              </a:spcBef>
-              <a:spcAft>
-                <a:spcPts val="0"/>
-              </a:spcAft>
-              <a:buSzPct val="100000"/>
+            <a:endParaRPr sz="1443"/>
+          </a:p>
+          <a:p>
+            <a:pPr indent="-320253" lvl="1" marL="914400" rtl="0" algn="l">
+              <a:spcBef>
+                <a:spcPts val="0"/>
+              </a:spcBef>
+              <a:spcAft>
+                <a:spcPts val="0"/>
+              </a:spcAft>
+              <a:buSzPts val="1443"/>
               <a:buChar char="○"/>
             </a:pPr>
             <a:r>
-              <a:rPr lang="ru" sz="1840"/>
+              <a:rPr lang="ru" sz="1443"/>
               <a:t>Когда перестают перемещаем начало сравнения </a:t>
             </a:r>
-            <a:endParaRPr sz="1840"/>
-          </a:p>
-          <a:p>
-            <a:pPr indent="-297710" lvl="1" marL="914400" rtl="0" algn="l">
-              <a:spcBef>
-                <a:spcPts val="0"/>
-              </a:spcBef>
-              <a:spcAft>
-                <a:spcPts val="0"/>
-              </a:spcAft>
-              <a:buSzPct val="84476"/>
+            <a:endParaRPr sz="1443"/>
+          </a:p>
+          <a:p>
+            <a:pPr indent="-327329" lvl="1" marL="914400" rtl="0" algn="l">
+              <a:spcBef>
+                <a:spcPts val="0"/>
+              </a:spcBef>
+              <a:spcAft>
+                <a:spcPts val="0"/>
+              </a:spcAft>
+              <a:buSzPts val="1555"/>
               <a:buChar char="○"/>
             </a:pPr>
             <a:r>
-              <a:rPr lang="ru" sz="1840"/>
-              <a:t>повторяем пока не совпадут все символы</a:t>
-            </a:r>
-            <a:r>
-              <a:rPr lang="ru" sz="1554"/>
+              <a:rPr lang="ru" sz="1443"/>
+              <a:t>Повторяем пока не совпадут все символы</a:t>
+            </a:r>
+            <a:r>
+              <a:rPr lang="ru" sz="1157"/>
               <a:t> </a:t>
             </a:r>
-            <a:endParaRPr sz="1554"/>
-          </a:p>
-          <a:p>
-            <a:pPr indent="-296948" lvl="2" marL="1371600" rtl="0" algn="l">
-              <a:spcBef>
-                <a:spcPts val="0"/>
-              </a:spcBef>
-              <a:spcAft>
-                <a:spcPts val="0"/>
-              </a:spcAft>
-              <a:buSzPct val="100000"/>
+            <a:endParaRPr sz="1157"/>
+          </a:p>
+          <a:p>
+            <a:pPr indent="-301022" lvl="2" marL="1371600" rtl="0" algn="l">
+              <a:spcBef>
+                <a:spcPts val="0"/>
+              </a:spcBef>
+              <a:spcAft>
+                <a:spcPts val="0"/>
+              </a:spcAft>
+              <a:buSzPts val="1141"/>
               <a:buChar char="■"/>
             </a:pPr>
             <a:r>
-              <a:rPr lang="ru" sz="1537"/>
-              <a:t>или идем до конца строки, если нужно найти все вхождения</a:t>
-            </a:r>
-            <a:endParaRPr sz="1537"/>
+              <a:rPr lang="ru" sz="1140"/>
+              <a:t>И</a:t>
+            </a:r>
+            <a:r>
+              <a:rPr lang="ru" sz="1140"/>
+              <a:t>ли идем до конца строки, если нужно найти все вхождения</a:t>
+            </a:r>
+            <a:endParaRPr sz="1140"/>
           </a:p>
           <a:p>
             <a:pPr indent="0" lvl="0" marL="457200" rtl="0" algn="l">
@@ -7060,7 +7164,7 @@
             <a:r>
               <a:t/>
             </a:r>
-            <a:endParaRPr sz="1750"/>
+            <a:endParaRPr sz="1850"/>
           </a:p>
           <a:p>
             <a:pPr indent="0" lvl="0" marL="0" rtl="0" algn="l">
@@ -7132,7 +7236,7 @@
         </p:nvSpPr>
         <p:spPr>
           <a:xfrm>
-            <a:off x="4307700" y="525725"/>
+            <a:off x="4869600" y="773700"/>
             <a:ext cx="3545400" cy="431100"/>
           </a:xfrm>
           <a:prstGeom prst="rect">
@@ -7171,7 +7275,7 @@
                 <a:cs typeface="Proxima Nova"/>
                 <a:sym typeface="Proxima Nova"/>
               </a:rPr>
-              <a:t>Пример на питоне</a:t>
+              <a:t>Пример на Python</a:t>
             </a:r>
             <a:endParaRPr sz="1600">
               <a:solidFill>
@@ -7204,8 +7308,8 @@
         </p:blipFill>
         <p:spPr>
           <a:xfrm>
-            <a:off x="4307700" y="1258775"/>
-            <a:ext cx="4669201" cy="2575050"/>
+            <a:off x="4307700" y="1375550"/>
+            <a:ext cx="4669201" cy="2840837"/>
           </a:xfrm>
           <a:prstGeom prst="rect">
             <a:avLst/>
@@ -7216,6 +7320,50 @@
           </a:ln>
         </p:spPr>
       </p:pic>
+      <p:sp>
+        <p:nvSpPr>
+          <p:cNvPr id="66" name="Google Shape;66;p14"/>
+          <p:cNvSpPr txBox="1"/>
+          <p:nvPr>
+            <p:ph idx="12" type="sldNum"/>
+          </p:nvPr>
+        </p:nvSpPr>
+        <p:spPr>
+          <a:xfrm>
+            <a:off x="8472458" y="4663217"/>
+            <a:ext cx="548700" cy="393600"/>
+          </a:xfrm>
+          <a:prstGeom prst="rect">
+            <a:avLst/>
+          </a:prstGeom>
+        </p:spPr>
+        <p:txBody>
+          <a:bodyPr anchorCtr="0" anchor="ctr" bIns="91425" lIns="91425" spcFirstLastPara="1" rIns="91425" wrap="square" tIns="91425">
+            <a:normAutofit/>
+          </a:bodyPr>
+          <a:lstStyle/>
+          <a:p>
+            <a:pPr indent="0" lvl="0" marL="0" rtl="0" algn="r">
+              <a:spcBef>
+                <a:spcPts val="0"/>
+              </a:spcBef>
+              <a:spcAft>
+                <a:spcPts val="0"/>
+              </a:spcAft>
+              <a:buNone/>
+            </a:pPr>
+            <a:fld id="{00000000-1234-1234-1234-123412341234}" type="slidenum">
+              <a:rPr lang="ru"/>
+              <a:t>‹#›</a:t>
+            </a:fld>
+            <a:r>
+              <a:rPr lang="ru"/>
+              <a:t>/9</a:t>
+            </a:r>
+            <a:endParaRPr/>
+          </a:p>
+        </p:txBody>
+      </p:sp>
     </p:spTree>
   </p:cSld>
   <p:clrMapOvr>
@@ -7229,7 +7377,7 @@
   <p:cSld>
     <p:spTree>
       <p:nvGrpSpPr>
-        <p:cNvPr id="69" name="Shape 69"/>
+        <p:cNvPr id="70" name="Shape 70"/>
         <p:cNvGrpSpPr/>
         <p:nvPr/>
       </p:nvGrpSpPr>
@@ -7243,7 +7391,7 @@
       </p:grpSpPr>
       <p:sp>
         <p:nvSpPr>
-          <p:cNvPr id="70" name="Google Shape;70;p15"/>
+          <p:cNvPr id="71" name="Google Shape;71;p15"/>
           <p:cNvSpPr txBox="1"/>
           <p:nvPr>
             <p:ph type="title"/>
@@ -7313,7 +7461,7 @@
       </p:sp>
       <p:sp>
         <p:nvSpPr>
-          <p:cNvPr id="71" name="Google Shape;71;p15"/>
+          <p:cNvPr id="72" name="Google Shape;72;p15"/>
           <p:cNvSpPr txBox="1"/>
           <p:nvPr>
             <p:ph idx="1" type="body"/>
@@ -7431,7 +7579,7 @@
             </a:pPr>
             <a:r>
               <a:rPr lang="ru"/>
-              <a:t>и не только на олимпиадах</a:t>
+              <a:t>И не только на олимпиадах</a:t>
             </a:r>
             <a:endParaRPr sz="1400"/>
           </a:p>
@@ -7499,7 +7647,7 @@
             </a:pPr>
             <a:r>
               <a:rPr lang="ru"/>
-              <a:t>например: AB</a:t>
+              <a:t>Например: AB</a:t>
             </a:r>
             <a:r>
               <a:rPr lang="ru" u="sng"/>
@@ -7532,6 +7680,50 @@
             <a:r>
               <a:rPr lang="ru"/>
               <a:t>		</a:t>
+            </a:r>
+            <a:endParaRPr/>
+          </a:p>
+        </p:txBody>
+      </p:sp>
+      <p:sp>
+        <p:nvSpPr>
+          <p:cNvPr id="73" name="Google Shape;73;p15"/>
+          <p:cNvSpPr txBox="1"/>
+          <p:nvPr>
+            <p:ph idx="12" type="sldNum"/>
+          </p:nvPr>
+        </p:nvSpPr>
+        <p:spPr>
+          <a:xfrm>
+            <a:off x="8472458" y="4663217"/>
+            <a:ext cx="548700" cy="393600"/>
+          </a:xfrm>
+          <a:prstGeom prst="rect">
+            <a:avLst/>
+          </a:prstGeom>
+        </p:spPr>
+        <p:txBody>
+          <a:bodyPr anchorCtr="0" anchor="ctr" bIns="91425" lIns="91425" spcFirstLastPara="1" rIns="91425" wrap="square" tIns="91425">
+            <a:normAutofit/>
+          </a:bodyPr>
+          <a:lstStyle/>
+          <a:p>
+            <a:pPr indent="0" lvl="0" marL="0" rtl="0" algn="r">
+              <a:spcBef>
+                <a:spcPts val="0"/>
+              </a:spcBef>
+              <a:spcAft>
+                <a:spcPts val="0"/>
+              </a:spcAft>
+              <a:buNone/>
+            </a:pPr>
+            <a:fld id="{00000000-1234-1234-1234-123412341234}" type="slidenum">
+              <a:rPr lang="ru"/>
+              <a:t>‹#›</a:t>
+            </a:fld>
+            <a:r>
+              <a:rPr lang="ru"/>
+              <a:t>/9</a:t>
             </a:r>
             <a:endParaRPr/>
           </a:p>
@@ -7550,7 +7742,7 @@
   <p:cSld>
     <p:spTree>
       <p:nvGrpSpPr>
-        <p:cNvPr id="75" name="Shape 75"/>
+        <p:cNvPr id="77" name="Shape 77"/>
         <p:cNvGrpSpPr/>
         <p:nvPr/>
       </p:nvGrpSpPr>
@@ -7564,7 +7756,7 @@
       </p:grpSpPr>
       <p:sp>
         <p:nvSpPr>
-          <p:cNvPr id="76" name="Google Shape;76;p16"/>
+          <p:cNvPr id="78" name="Google Shape;78;p16"/>
           <p:cNvSpPr txBox="1"/>
           <p:nvPr>
             <p:ph type="title"/>
@@ -7608,7 +7800,7 @@
       </p:sp>
       <p:sp>
         <p:nvSpPr>
-          <p:cNvPr id="77" name="Google Shape;77;p16"/>
+          <p:cNvPr id="79" name="Google Shape;79;p16"/>
           <p:cNvSpPr txBox="1"/>
           <p:nvPr>
             <p:ph idx="1" type="body"/>
@@ -7709,7 +7901,7 @@
             </a:pPr>
             <a:r>
               <a:rPr lang="ru" sz="1400"/>
-              <a:t>только с подстрокой в варианте реализации, который предложу я</a:t>
+              <a:t>Только с подстрокой в варианте реализации, который предложу я</a:t>
             </a:r>
             <a:endParaRPr sz="1400"/>
           </a:p>
@@ -7732,7 +7924,7 @@
       </p:sp>
       <p:pic>
         <p:nvPicPr>
-          <p:cNvPr id="78" name="Google Shape;78;p16"/>
+          <p:cNvPr id="80" name="Google Shape;80;p16"/>
           <p:cNvPicPr preferRelativeResize="0"/>
           <p:nvPr/>
         </p:nvPicPr>
@@ -7760,7 +7952,7 @@
       </p:pic>
       <p:sp>
         <p:nvSpPr>
-          <p:cNvPr id="79" name="Google Shape;79;p16"/>
+          <p:cNvPr id="81" name="Google Shape;81;p16"/>
           <p:cNvSpPr txBox="1"/>
           <p:nvPr/>
         </p:nvSpPr>
@@ -7805,6 +7997,50 @@
           </a:p>
         </p:txBody>
       </p:sp>
+      <p:sp>
+        <p:nvSpPr>
+          <p:cNvPr id="82" name="Google Shape;82;p16"/>
+          <p:cNvSpPr txBox="1"/>
+          <p:nvPr>
+            <p:ph idx="12" type="sldNum"/>
+          </p:nvPr>
+        </p:nvSpPr>
+        <p:spPr>
+          <a:xfrm>
+            <a:off x="8472458" y="4663217"/>
+            <a:ext cx="548700" cy="393600"/>
+          </a:xfrm>
+          <a:prstGeom prst="rect">
+            <a:avLst/>
+          </a:prstGeom>
+        </p:spPr>
+        <p:txBody>
+          <a:bodyPr anchorCtr="0" anchor="ctr" bIns="91425" lIns="91425" spcFirstLastPara="1" rIns="91425" wrap="square" tIns="91425">
+            <a:normAutofit/>
+          </a:bodyPr>
+          <a:lstStyle/>
+          <a:p>
+            <a:pPr indent="0" lvl="0" marL="0" rtl="0" algn="r">
+              <a:spcBef>
+                <a:spcPts val="0"/>
+              </a:spcBef>
+              <a:spcAft>
+                <a:spcPts val="0"/>
+              </a:spcAft>
+              <a:buNone/>
+            </a:pPr>
+            <a:fld id="{00000000-1234-1234-1234-123412341234}" type="slidenum">
+              <a:rPr lang="ru"/>
+              <a:t>‹#›</a:t>
+            </a:fld>
+            <a:r>
+              <a:rPr lang="ru"/>
+              <a:t>/9</a:t>
+            </a:r>
+            <a:endParaRPr/>
+          </a:p>
+        </p:txBody>
+      </p:sp>
     </p:spTree>
   </p:cSld>
   <p:clrMapOvr>
@@ -7818,7 +8054,7 @@
   <p:cSld>
     <p:spTree>
       <p:nvGrpSpPr>
-        <p:cNvPr id="83" name="Shape 83"/>
+        <p:cNvPr id="86" name="Shape 86"/>
         <p:cNvGrpSpPr/>
         <p:nvPr/>
       </p:nvGrpSpPr>
@@ -7832,7 +8068,7 @@
       </p:grpSpPr>
       <p:sp>
         <p:nvSpPr>
-          <p:cNvPr id="84" name="Google Shape;84;p17"/>
+          <p:cNvPr id="87" name="Google Shape;87;p17"/>
           <p:cNvSpPr txBox="1"/>
           <p:nvPr>
             <p:ph type="title"/>
@@ -7872,7 +8108,7 @@
       </p:sp>
       <p:sp>
         <p:nvSpPr>
-          <p:cNvPr id="85" name="Google Shape;85;p17"/>
+          <p:cNvPr id="88" name="Google Shape;88;p17"/>
           <p:cNvSpPr txBox="1"/>
           <p:nvPr>
             <p:ph idx="1" type="body"/>
@@ -7987,6 +8223,50 @@
           </a:p>
         </p:txBody>
       </p:sp>
+      <p:sp>
+        <p:nvSpPr>
+          <p:cNvPr id="89" name="Google Shape;89;p17"/>
+          <p:cNvSpPr txBox="1"/>
+          <p:nvPr>
+            <p:ph idx="12" type="sldNum"/>
+          </p:nvPr>
+        </p:nvSpPr>
+        <p:spPr>
+          <a:xfrm>
+            <a:off x="8472458" y="4663217"/>
+            <a:ext cx="548700" cy="393600"/>
+          </a:xfrm>
+          <a:prstGeom prst="rect">
+            <a:avLst/>
+          </a:prstGeom>
+        </p:spPr>
+        <p:txBody>
+          <a:bodyPr anchorCtr="0" anchor="ctr" bIns="91425" lIns="91425" spcFirstLastPara="1" rIns="91425" wrap="square" tIns="91425">
+            <a:normAutofit/>
+          </a:bodyPr>
+          <a:lstStyle/>
+          <a:p>
+            <a:pPr indent="0" lvl="0" marL="0" rtl="0" algn="r">
+              <a:spcBef>
+                <a:spcPts val="0"/>
+              </a:spcBef>
+              <a:spcAft>
+                <a:spcPts val="0"/>
+              </a:spcAft>
+              <a:buNone/>
+            </a:pPr>
+            <a:fld id="{00000000-1234-1234-1234-123412341234}" type="slidenum">
+              <a:rPr lang="ru"/>
+              <a:t>‹#›</a:t>
+            </a:fld>
+            <a:r>
+              <a:rPr lang="ru"/>
+              <a:t>/9</a:t>
+            </a:r>
+            <a:endParaRPr/>
+          </a:p>
+        </p:txBody>
+      </p:sp>
     </p:spTree>
   </p:cSld>
   <p:clrMapOvr>
@@ -8000,7 +8280,7 @@
   <p:cSld>
     <p:spTree>
       <p:nvGrpSpPr>
-        <p:cNvPr id="89" name="Shape 89"/>
+        <p:cNvPr id="93" name="Shape 93"/>
         <p:cNvGrpSpPr/>
         <p:nvPr/>
       </p:nvGrpSpPr>
@@ -8014,7 +8294,7 @@
       </p:grpSpPr>
       <p:sp>
         <p:nvSpPr>
-          <p:cNvPr id="90" name="Google Shape;90;p18"/>
+          <p:cNvPr id="94" name="Google Shape;94;p18"/>
           <p:cNvSpPr txBox="1"/>
           <p:nvPr>
             <p:ph type="title"/>
@@ -8022,7 +8302,7 @@
         </p:nvSpPr>
         <p:spPr>
           <a:xfrm>
-            <a:off x="311700" y="445025"/>
+            <a:off x="311700" y="132750"/>
             <a:ext cx="8520600" cy="572700"/>
           </a:xfrm>
           <a:prstGeom prst="rect">
@@ -8069,7 +8349,7 @@
       </p:sp>
       <p:sp>
         <p:nvSpPr>
-          <p:cNvPr id="91" name="Google Shape;91;p18"/>
+          <p:cNvPr id="95" name="Google Shape;95;p18"/>
           <p:cNvSpPr txBox="1"/>
           <p:nvPr>
             <p:ph idx="1" type="body"/>
@@ -8077,8 +8357,8 @@
         </p:nvSpPr>
         <p:spPr>
           <a:xfrm>
-            <a:off x="311700" y="1152475"/>
-            <a:ext cx="4510200" cy="2783700"/>
+            <a:off x="82075" y="852400"/>
+            <a:ext cx="5107500" cy="3810900"/>
           </a:xfrm>
           <a:prstGeom prst="rect">
             <a:avLst/>
@@ -8086,11 +8366,11 @@
         </p:spPr>
         <p:txBody>
           <a:bodyPr anchorCtr="0" anchor="b" bIns="91425" lIns="91425" spcFirstLastPara="1" rIns="91425" wrap="square" tIns="91425">
-            <a:normAutofit fontScale="77500" lnSpcReduction="20000"/>
+            <a:normAutofit fontScale="70000" lnSpcReduction="20000"/>
           </a:bodyPr>
           <a:lstStyle/>
           <a:p>
-            <a:pPr indent="-303287" lvl="0" marL="457200" rtl="0" algn="l">
+            <a:pPr indent="-330450" lvl="0" marL="457200" rtl="0" algn="l">
               <a:spcBef>
                 <a:spcPts val="0"/>
               </a:spcBef>
@@ -8101,13 +8381,13 @@
               <a:buChar char="●"/>
             </a:pPr>
             <a:r>
-              <a:rPr lang="ru" sz="1517"/>
+              <a:rPr lang="ru" sz="2291"/>
               <a:t>Начальное положение</a:t>
             </a:r>
-            <a:endParaRPr sz="1517"/>
-          </a:p>
-          <a:p>
-            <a:pPr indent="-303287" lvl="1" marL="914400" rtl="0" algn="l">
+            <a:endParaRPr sz="2291"/>
+          </a:p>
+          <a:p>
+            <a:pPr indent="-330450" lvl="1" marL="914400" rtl="0" algn="l">
               <a:spcBef>
                 <a:spcPts val="0"/>
               </a:spcBef>
@@ -8118,17 +8398,17 @@
               <a:buChar char="○"/>
             </a:pPr>
             <a:r>
-              <a:rPr lang="ru" sz="1517"/>
+              <a:rPr lang="ru" sz="2291"/>
               <a:t>prefix[0] = 0, </a:t>
             </a:r>
             <a:r>
-              <a:rPr lang="ru" sz="1517"/>
+              <a:rPr lang="ru" sz="2291"/>
               <a:t>beginIndex = 0, endIndex = 1</a:t>
             </a:r>
-            <a:endParaRPr sz="1517"/>
-          </a:p>
-          <a:p>
-            <a:pPr indent="-303287" lvl="0" marL="457200" rtl="0" algn="l">
+            <a:endParaRPr sz="2291"/>
+          </a:p>
+          <a:p>
+            <a:pPr indent="-330450" lvl="0" marL="457200" rtl="0" algn="l">
               <a:spcBef>
                 <a:spcPts val="0"/>
               </a:spcBef>
@@ -8139,29 +8419,29 @@
               <a:buChar char="●"/>
             </a:pPr>
             <a:r>
-              <a:rPr lang="ru" sz="1517"/>
+              <a:rPr lang="ru" sz="2291"/>
               <a:t>Если символы совпадают, то смотрим следующие и записываем в префикс-массив  длину текуще</a:t>
             </a:r>
             <a:r>
-              <a:rPr lang="ru" sz="1517"/>
+              <a:rPr lang="ru" sz="2291"/>
               <a:t>го</a:t>
             </a:r>
             <a:r>
-              <a:rPr lang="ru" sz="1517"/>
+              <a:rPr lang="ru" sz="2291"/>
               <a:t> совпадени</a:t>
             </a:r>
             <a:r>
-              <a:rPr lang="ru" sz="1517"/>
+              <a:rPr lang="ru" sz="2291"/>
               <a:t>я</a:t>
             </a:r>
             <a:r>
-              <a:rPr lang="ru" sz="1517"/>
+              <a:rPr lang="ru" sz="2291"/>
               <a:t>. </a:t>
             </a:r>
-            <a:endParaRPr sz="1517"/>
-          </a:p>
-          <a:p>
-            <a:pPr indent="-303287" lvl="0" marL="457200" rtl="0" algn="l">
+            <a:endParaRPr sz="2291"/>
+          </a:p>
+          <a:p>
+            <a:pPr indent="-330450" lvl="0" marL="457200" rtl="0" algn="l">
               <a:spcBef>
                 <a:spcPts val="0"/>
               </a:spcBef>
@@ -8172,13 +8452,13 @@
               <a:buChar char="●"/>
             </a:pPr>
             <a:r>
-              <a:rPr lang="ru" sz="1517"/>
+              <a:rPr lang="ru" sz="2291"/>
               <a:t>Если нет</a:t>
             </a:r>
-            <a:endParaRPr sz="1517"/>
-          </a:p>
-          <a:p>
-            <a:pPr indent="-303287" lvl="1" marL="914400" rtl="0" algn="l">
+            <a:endParaRPr sz="2291"/>
+          </a:p>
+          <a:p>
+            <a:pPr indent="-330450" lvl="1" marL="914400" rtl="0" algn="l">
               <a:spcBef>
                 <a:spcPts val="0"/>
               </a:spcBef>
@@ -8189,13 +8469,13 @@
               <a:buChar char="○"/>
             </a:pPr>
             <a:r>
-              <a:rPr lang="ru" sz="1517"/>
+              <a:rPr lang="ru" sz="2291"/>
               <a:t>Если beginIndex = 0, то это значит, что мы пока что не нашли ни одного совпадения, записываем ноль, смотрим следующий.</a:t>
             </a:r>
-            <a:endParaRPr sz="1517"/>
-          </a:p>
-          <a:p>
-            <a:pPr indent="-303287" lvl="1" marL="914400" rtl="0" algn="l">
+            <a:endParaRPr sz="2291"/>
+          </a:p>
+          <a:p>
+            <a:pPr indent="-330450" lvl="1" marL="914400" rtl="0" algn="l">
               <a:spcBef>
                 <a:spcPts val="0"/>
               </a:spcBef>
@@ -8206,10 +8486,10 @@
               <a:buChar char="○"/>
             </a:pPr>
             <a:r>
-              <a:rPr lang="ru" sz="1517"/>
+              <a:rPr lang="ru" sz="2291"/>
               <a:t>Иначе сдвигаем beginIndex к месту, где может начаться следующий максимальный суффикс</a:t>
             </a:r>
-            <a:endParaRPr sz="1517"/>
+            <a:endParaRPr sz="2291"/>
           </a:p>
           <a:p>
             <a:pPr indent="0" lvl="0" marL="0" rtl="0" algn="l">
@@ -8245,13 +8525,13 @@
       </p:sp>
       <p:sp>
         <p:nvSpPr>
-          <p:cNvPr id="92" name="Google Shape;92;p18"/>
+          <p:cNvPr id="96" name="Google Shape;96;p18"/>
           <p:cNvSpPr txBox="1"/>
           <p:nvPr/>
         </p:nvSpPr>
         <p:spPr>
           <a:xfrm>
-            <a:off x="4983475" y="586625"/>
+            <a:off x="5584050" y="421300"/>
             <a:ext cx="3000000" cy="431100"/>
           </a:xfrm>
           <a:prstGeom prst="rect">
@@ -8290,7 +8570,7 @@
                 <a:cs typeface="Proxima Nova"/>
                 <a:sym typeface="Proxima Nova"/>
               </a:rPr>
-              <a:t>Пример на питоне</a:t>
+              <a:t>Пример на Python</a:t>
             </a:r>
             <a:endParaRPr/>
           </a:p>
@@ -8298,7 +8578,7 @@
       </p:sp>
       <p:pic>
         <p:nvPicPr>
-          <p:cNvPr id="93" name="Google Shape;93;p18"/>
+          <p:cNvPr id="97" name="Google Shape;97;p18"/>
           <p:cNvPicPr preferRelativeResize="0"/>
           <p:nvPr/>
         </p:nvPicPr>
@@ -8312,8 +8592,8 @@
         </p:blipFill>
         <p:spPr>
           <a:xfrm>
-            <a:off x="4821900" y="1170125"/>
-            <a:ext cx="4169699" cy="2953850"/>
+            <a:off x="5024100" y="1056250"/>
+            <a:ext cx="4119900" cy="3168775"/>
           </a:xfrm>
           <a:prstGeom prst="rect">
             <a:avLst/>
@@ -8326,7 +8606,7 @@
       </p:pic>
       <p:pic>
         <p:nvPicPr>
-          <p:cNvPr id="94" name="Google Shape;94;p18"/>
+          <p:cNvPr id="98" name="Google Shape;98;p18"/>
           <p:cNvPicPr preferRelativeResize="0"/>
           <p:nvPr/>
         </p:nvPicPr>
@@ -8340,7 +8620,7 @@
         </p:blipFill>
         <p:spPr>
           <a:xfrm>
-            <a:off x="799976" y="4123975"/>
+            <a:off x="587213" y="4225025"/>
             <a:ext cx="3533636" cy="572700"/>
           </a:xfrm>
           <a:prstGeom prst="rect">
@@ -8352,6 +8632,46 @@
           </a:ln>
         </p:spPr>
       </p:pic>
+      <p:sp>
+        <p:nvSpPr>
+          <p:cNvPr id="99" name="Google Shape;99;p18"/>
+          <p:cNvSpPr txBox="1"/>
+          <p:nvPr>
+            <p:ph idx="12" type="sldNum"/>
+          </p:nvPr>
+        </p:nvSpPr>
+        <p:spPr>
+          <a:xfrm>
+            <a:off x="8472458" y="4663217"/>
+            <a:ext cx="548700" cy="393600"/>
+          </a:xfrm>
+          <a:prstGeom prst="rect">
+            <a:avLst/>
+          </a:prstGeom>
+        </p:spPr>
+        <p:txBody>
+          <a:bodyPr anchorCtr="0" anchor="ctr" bIns="91425" lIns="91425" spcFirstLastPara="1" rIns="91425" wrap="square" tIns="91425">
+            <a:normAutofit/>
+          </a:bodyPr>
+          <a:lstStyle/>
+          <a:p>
+            <a:pPr indent="0" lvl="0" marL="0" rtl="0" algn="r">
+              <a:spcBef>
+                <a:spcPts val="0"/>
+              </a:spcBef>
+              <a:spcAft>
+                <a:spcPts val="0"/>
+              </a:spcAft>
+              <a:buNone/>
+            </a:pPr>
+            <a:r>
+              <a:rPr lang="ru"/>
+              <a:t>6/9</a:t>
+            </a:r>
+            <a:endParaRPr/>
+          </a:p>
+        </p:txBody>
+      </p:sp>
     </p:spTree>
   </p:cSld>
   <p:clrMapOvr>
@@ -8365,7 +8685,7 @@
   <p:cSld>
     <p:spTree>
       <p:nvGrpSpPr>
-        <p:cNvPr id="98" name="Shape 98"/>
+        <p:cNvPr id="103" name="Shape 103"/>
         <p:cNvGrpSpPr/>
         <p:nvPr/>
       </p:nvGrpSpPr>
@@ -8379,7 +8699,7 @@
       </p:grpSpPr>
       <p:sp>
         <p:nvSpPr>
-          <p:cNvPr id="99" name="Google Shape;99;p19"/>
+          <p:cNvPr id="104" name="Google Shape;104;p19"/>
           <p:cNvSpPr txBox="1"/>
           <p:nvPr>
             <p:ph type="title"/>
@@ -8387,7 +8707,7 @@
         </p:nvSpPr>
         <p:spPr>
           <a:xfrm>
-            <a:off x="311700" y="445025"/>
+            <a:off x="311700" y="132750"/>
             <a:ext cx="8520600" cy="572700"/>
           </a:xfrm>
           <a:prstGeom prst="rect">
@@ -8434,7 +8754,7 @@
       </p:sp>
       <p:sp>
         <p:nvSpPr>
-          <p:cNvPr id="100" name="Google Shape;100;p19"/>
+          <p:cNvPr id="105" name="Google Shape;105;p19"/>
           <p:cNvSpPr txBox="1"/>
           <p:nvPr>
             <p:ph idx="1" type="body"/>
@@ -8442,8 +8762,8 @@
         </p:nvSpPr>
         <p:spPr>
           <a:xfrm>
-            <a:off x="311700" y="1152475"/>
-            <a:ext cx="3784800" cy="3416400"/>
+            <a:off x="164050" y="890925"/>
+            <a:ext cx="4667100" cy="3912900"/>
           </a:xfrm>
           <a:prstGeom prst="rect">
             <a:avLst/>
@@ -8455,101 +8775,101 @@
           </a:bodyPr>
           <a:lstStyle/>
           <a:p>
-            <a:pPr indent="-311150" lvl="0" marL="457200" rtl="0" algn="l">
-              <a:spcBef>
-                <a:spcPts val="0"/>
-              </a:spcBef>
-              <a:spcAft>
-                <a:spcPts val="0"/>
-              </a:spcAft>
-              <a:buSzPts val="1300"/>
+            <a:pPr indent="-323850" lvl="0" marL="457200" rtl="0" algn="l">
+              <a:spcBef>
+                <a:spcPts val="0"/>
+              </a:spcBef>
+              <a:spcAft>
+                <a:spcPts val="0"/>
+              </a:spcAft>
+              <a:buSzPts val="1500"/>
               <a:buChar char="●"/>
             </a:pPr>
             <a:r>
-              <a:rPr lang="ru" sz="1300"/>
+              <a:rPr lang="ru" sz="1500"/>
               <a:t>Сравниваем поэлементно</a:t>
             </a:r>
-            <a:endParaRPr sz="1300"/>
-          </a:p>
-          <a:p>
-            <a:pPr indent="-311150" lvl="0" marL="457200" rtl="0" algn="l">
-              <a:spcBef>
-                <a:spcPts val="0"/>
-              </a:spcBef>
-              <a:spcAft>
-                <a:spcPts val="0"/>
-              </a:spcAft>
-              <a:buSzPts val="1300"/>
+            <a:endParaRPr sz="1500"/>
+          </a:p>
+          <a:p>
+            <a:pPr indent="-323850" lvl="0" marL="457200" rtl="0" algn="l">
+              <a:spcBef>
+                <a:spcPts val="0"/>
+              </a:spcBef>
+              <a:spcAft>
+                <a:spcPts val="0"/>
+              </a:spcAft>
+              <a:buSzPts val="1500"/>
               <a:buChar char="●"/>
             </a:pPr>
             <a:r>
-              <a:rPr lang="ru" sz="1300"/>
+              <a:rPr lang="ru" sz="1500"/>
               <a:t>Когда находим полное совпадение, записываем индекс элемента строки, с которого началось совпадение</a:t>
             </a:r>
-            <a:endParaRPr sz="1300"/>
-          </a:p>
-          <a:p>
-            <a:pPr indent="-311150" lvl="0" marL="457200" rtl="0" algn="l">
-              <a:spcBef>
-                <a:spcPts val="0"/>
-              </a:spcBef>
-              <a:spcAft>
-                <a:spcPts val="0"/>
-              </a:spcAft>
-              <a:buSzPts val="1300"/>
+            <a:endParaRPr sz="1500"/>
+          </a:p>
+          <a:p>
+            <a:pPr indent="-323850" lvl="0" marL="457200" rtl="0" algn="l">
+              <a:spcBef>
+                <a:spcPts val="0"/>
+              </a:spcBef>
+              <a:spcAft>
+                <a:spcPts val="0"/>
+              </a:spcAft>
+              <a:buSzPts val="1500"/>
               <a:buChar char="●"/>
             </a:pPr>
             <a:r>
-              <a:rPr lang="ru" sz="1300"/>
+              <a:rPr lang="ru" sz="1500"/>
               <a:t>Если в процессе два элемента не совпали</a:t>
             </a:r>
-            <a:endParaRPr sz="1300"/>
-          </a:p>
-          <a:p>
-            <a:pPr indent="-311150" lvl="1" marL="914400" rtl="0" algn="l">
-              <a:spcBef>
-                <a:spcPts val="0"/>
-              </a:spcBef>
-              <a:spcAft>
-                <a:spcPts val="0"/>
-              </a:spcAft>
-              <a:buSzPts val="1300"/>
+            <a:endParaRPr sz="1500"/>
+          </a:p>
+          <a:p>
+            <a:pPr indent="-323850" lvl="1" marL="914400" rtl="0" algn="l">
+              <a:spcBef>
+                <a:spcPts val="0"/>
+              </a:spcBef>
+              <a:spcAft>
+                <a:spcPts val="0"/>
+              </a:spcAft>
+              <a:buSzPts val="1500"/>
               <a:buChar char="○"/>
             </a:pPr>
             <a:r>
-              <a:rPr lang="ru" sz="1300"/>
+              <a:rPr lang="ru" sz="1500"/>
               <a:t>Если указатель подстроки указывает на нулевой элемент, то сдвигаем указатель строки</a:t>
             </a:r>
-            <a:endParaRPr sz="1300"/>
-          </a:p>
-          <a:p>
-            <a:pPr indent="-311150" lvl="1" marL="914400" rtl="0" algn="l">
-              <a:spcBef>
-                <a:spcPts val="0"/>
-              </a:spcBef>
-              <a:spcAft>
-                <a:spcPts val="0"/>
-              </a:spcAft>
-              <a:buSzPts val="1300"/>
+            <a:endParaRPr sz="1500"/>
+          </a:p>
+          <a:p>
+            <a:pPr indent="-323850" lvl="1" marL="914400" rtl="0" algn="l">
+              <a:spcBef>
+                <a:spcPts val="0"/>
+              </a:spcBef>
+              <a:spcAft>
+                <a:spcPts val="0"/>
+              </a:spcAft>
+              <a:buSzPts val="1500"/>
               <a:buChar char="○"/>
             </a:pPr>
             <a:r>
-              <a:rPr lang="ru" sz="1300"/>
+              <a:rPr lang="ru" sz="1500"/>
               <a:t>Иначе сдвигаем указатель подстроки на длину максимального суффикса предыдущего элемента</a:t>
             </a:r>
-            <a:endParaRPr sz="1300"/>
+            <a:endParaRPr sz="1500"/>
           </a:p>
         </p:txBody>
       </p:sp>
       <p:sp>
         <p:nvSpPr>
-          <p:cNvPr id="101" name="Google Shape;101;p19"/>
+          <p:cNvPr id="106" name="Google Shape;106;p19"/>
           <p:cNvSpPr txBox="1"/>
           <p:nvPr/>
         </p:nvSpPr>
         <p:spPr>
           <a:xfrm>
-            <a:off x="4983475" y="586625"/>
+            <a:off x="5472450" y="274350"/>
             <a:ext cx="3000000" cy="431100"/>
           </a:xfrm>
           <a:prstGeom prst="rect">
@@ -8588,7 +8908,51 @@
                 <a:cs typeface="Proxima Nova"/>
                 <a:sym typeface="Proxima Nova"/>
               </a:rPr>
-              <a:t>Пример на питоне</a:t>
+              <a:t>Пример на Python</a:t>
+            </a:r>
+            <a:endParaRPr/>
+          </a:p>
+        </p:txBody>
+      </p:sp>
+      <p:sp>
+        <p:nvSpPr>
+          <p:cNvPr id="107" name="Google Shape;107;p19"/>
+          <p:cNvSpPr txBox="1"/>
+          <p:nvPr>
+            <p:ph idx="12" type="sldNum"/>
+          </p:nvPr>
+        </p:nvSpPr>
+        <p:spPr>
+          <a:xfrm>
+            <a:off x="8472458" y="4663217"/>
+            <a:ext cx="548700" cy="393600"/>
+          </a:xfrm>
+          <a:prstGeom prst="rect">
+            <a:avLst/>
+          </a:prstGeom>
+        </p:spPr>
+        <p:txBody>
+          <a:bodyPr anchorCtr="0" anchor="ctr" bIns="91425" lIns="91425" spcFirstLastPara="1" rIns="91425" wrap="square" tIns="91425">
+            <a:normAutofit/>
+          </a:bodyPr>
+          <a:lstStyle/>
+          <a:p>
+            <a:pPr indent="0" lvl="0" marL="0" rtl="0" algn="r">
+              <a:spcBef>
+                <a:spcPts val="0"/>
+              </a:spcBef>
+              <a:spcAft>
+                <a:spcPts val="0"/>
+              </a:spcAft>
+              <a:buNone/>
+            </a:pPr>
+            <a:fld id="{00000000-1234-1234-1234-123412341234}" type="slidenum">
+              <a:rPr lang="ru"/>
+              <a:t>‹#›</a:t>
+            </a:fld>
+            <a:r>
+              <a:rPr lang="ru"/>
+              <a:t>/9</a:t>
             </a:r>
             <a:endParaRPr/>
           </a:p>
@@ -8596,7 +8960,7 @@
       </p:sp>
       <p:pic>
         <p:nvPicPr>
-          <p:cNvPr id="102" name="Google Shape;102;p19"/>
+          <p:cNvPr id="108" name="Google Shape;108;p19"/>
           <p:cNvPicPr preferRelativeResize="0"/>
           <p:nvPr/>
         </p:nvPicPr>
@@ -8610,8 +8974,8 @@
         </p:blipFill>
         <p:spPr>
           <a:xfrm>
-            <a:off x="4248900" y="1170125"/>
-            <a:ext cx="4742699" cy="3192674"/>
+            <a:off x="4476850" y="946025"/>
+            <a:ext cx="4667149" cy="3178051"/>
           </a:xfrm>
           <a:prstGeom prst="rect">
             <a:avLst/>
@@ -8635,7 +8999,7 @@
   <p:cSld>
     <p:spTree>
       <p:nvGrpSpPr>
-        <p:cNvPr id="106" name="Shape 106"/>
+        <p:cNvPr id="112" name="Shape 112"/>
         <p:cNvGrpSpPr/>
         <p:nvPr/>
       </p:nvGrpSpPr>
@@ -8649,7 +9013,530 @@
       </p:grpSpPr>
       <p:sp>
         <p:nvSpPr>
-          <p:cNvPr id="107" name="Google Shape;107;p20"/>
+          <p:cNvPr id="113" name="Google Shape;113;p20"/>
+          <p:cNvSpPr txBox="1"/>
+          <p:nvPr>
+            <p:ph type="title"/>
+          </p:nvPr>
+        </p:nvSpPr>
+        <p:spPr>
+          <a:xfrm>
+            <a:off x="311700" y="169475"/>
+            <a:ext cx="8520600" cy="572700"/>
+          </a:xfrm>
+          <a:prstGeom prst="rect">
+            <a:avLst/>
+          </a:prstGeom>
+        </p:spPr>
+        <p:txBody>
+          <a:bodyPr anchorCtr="0" anchor="t" bIns="91425" lIns="91425" spcFirstLastPara="1" rIns="91425" wrap="square" tIns="91425">
+            <a:normAutofit fontScale="90000"/>
+          </a:bodyPr>
+          <a:lstStyle/>
+          <a:p>
+            <a:pPr indent="0" lvl="0" marL="0" rtl="0" algn="l">
+              <a:spcBef>
+                <a:spcPts val="0"/>
+              </a:spcBef>
+              <a:spcAft>
+                <a:spcPts val="0"/>
+              </a:spcAft>
+              <a:buNone/>
+            </a:pPr>
+            <a:r>
+              <a:rPr lang="ru"/>
+              <a:t>Пример работы</a:t>
+            </a:r>
+            <a:endParaRPr/>
+          </a:p>
+        </p:txBody>
+      </p:sp>
+      <p:sp>
+        <p:nvSpPr>
+          <p:cNvPr id="114" name="Google Shape;114;p20"/>
+          <p:cNvSpPr txBox="1"/>
+          <p:nvPr>
+            <p:ph idx="12" type="sldNum"/>
+          </p:nvPr>
+        </p:nvSpPr>
+        <p:spPr>
+          <a:xfrm>
+            <a:off x="8472458" y="4663217"/>
+            <a:ext cx="548700" cy="393600"/>
+          </a:xfrm>
+          <a:prstGeom prst="rect">
+            <a:avLst/>
+          </a:prstGeom>
+        </p:spPr>
+        <p:txBody>
+          <a:bodyPr anchorCtr="0" anchor="ctr" bIns="91425" lIns="91425" spcFirstLastPara="1" rIns="91425" wrap="square" tIns="91425">
+            <a:normAutofit/>
+          </a:bodyPr>
+          <a:lstStyle/>
+          <a:p>
+            <a:pPr indent="0" lvl="0" marL="0" rtl="0" algn="r">
+              <a:spcBef>
+                <a:spcPts val="0"/>
+              </a:spcBef>
+              <a:spcAft>
+                <a:spcPts val="0"/>
+              </a:spcAft>
+              <a:buNone/>
+            </a:pPr>
+            <a:fld id="{00000000-1234-1234-1234-123412341234}" type="slidenum">
+              <a:rPr lang="ru"/>
+              <a:t>‹#›</a:t>
+            </a:fld>
+            <a:r>
+              <a:rPr lang="ru"/>
+              <a:t>/9</a:t>
+            </a:r>
+            <a:endParaRPr/>
+          </a:p>
+        </p:txBody>
+      </p:sp>
+      <p:sp>
+        <p:nvSpPr>
+          <p:cNvPr id="115" name="Google Shape;115;p20"/>
+          <p:cNvSpPr txBox="1"/>
+          <p:nvPr/>
+        </p:nvSpPr>
+        <p:spPr>
+          <a:xfrm>
+            <a:off x="311700" y="817450"/>
+            <a:ext cx="5290500" cy="461700"/>
+          </a:xfrm>
+          <a:prstGeom prst="rect">
+            <a:avLst/>
+          </a:prstGeom>
+          <a:noFill/>
+          <a:ln>
+            <a:noFill/>
+          </a:ln>
+        </p:spPr>
+        <p:txBody>
+          <a:bodyPr anchorCtr="0" anchor="t" bIns="91425" lIns="91425" spcFirstLastPara="1" rIns="91425" wrap="square" tIns="91425">
+            <a:spAutoFit/>
+          </a:bodyPr>
+          <a:lstStyle/>
+          <a:p>
+            <a:pPr indent="0" lvl="0" marL="0" rtl="0" algn="l">
+              <a:spcBef>
+                <a:spcPts val="0"/>
+              </a:spcBef>
+              <a:spcAft>
+                <a:spcPts val="0"/>
+              </a:spcAft>
+              <a:buNone/>
+            </a:pPr>
+            <a:r>
+              <a:rPr lang="ru">
+                <a:latin typeface="Proxima Nova"/>
+                <a:ea typeface="Proxima Nova"/>
+                <a:cs typeface="Proxima Nova"/>
+                <a:sym typeface="Proxima Nova"/>
+              </a:rPr>
+              <a:t>Строка </a:t>
+            </a:r>
+            <a:r>
+              <a:rPr lang="ru" sz="1800" u="sng">
+                <a:solidFill>
+                  <a:schemeClr val="accent3"/>
+                </a:solidFill>
+                <a:latin typeface="Proxima Nova"/>
+                <a:ea typeface="Proxima Nova"/>
+                <a:cs typeface="Proxima Nova"/>
+                <a:sym typeface="Proxima Nova"/>
+              </a:rPr>
+              <a:t>abab</a:t>
+            </a:r>
+            <a:r>
+              <a:rPr lang="ru" sz="1800">
+                <a:solidFill>
+                  <a:schemeClr val="accent3"/>
+                </a:solidFill>
+                <a:latin typeface="Proxima Nova"/>
+                <a:ea typeface="Proxima Nova"/>
+                <a:cs typeface="Proxima Nova"/>
+                <a:sym typeface="Proxima Nova"/>
+              </a:rPr>
+              <a:t>b</a:t>
+            </a:r>
+            <a:r>
+              <a:rPr lang="ru" sz="1800" u="sng">
+                <a:solidFill>
+                  <a:schemeClr val="accent3"/>
+                </a:solidFill>
+                <a:latin typeface="Proxima Nova"/>
+                <a:ea typeface="Proxima Nova"/>
+                <a:cs typeface="Proxima Nova"/>
+                <a:sym typeface="Proxima Nova"/>
+              </a:rPr>
+              <a:t>abab</a:t>
+            </a:r>
+            <a:r>
+              <a:rPr lang="ru" sz="1800">
+                <a:solidFill>
+                  <a:schemeClr val="accent3"/>
+                </a:solidFill>
+                <a:latin typeface="Proxima Nova"/>
+                <a:ea typeface="Proxima Nova"/>
+                <a:cs typeface="Proxima Nova"/>
+                <a:sym typeface="Proxima Nova"/>
+              </a:rPr>
+              <a:t>a</a:t>
+            </a:r>
+            <a:r>
+              <a:rPr lang="ru">
+                <a:latin typeface="Proxima Nova"/>
+                <a:ea typeface="Proxima Nova"/>
+                <a:cs typeface="Proxima Nova"/>
+                <a:sym typeface="Proxima Nova"/>
+              </a:rPr>
+              <a:t> и подстрока </a:t>
+            </a:r>
+            <a:r>
+              <a:rPr lang="ru" sz="1800">
+                <a:solidFill>
+                  <a:schemeClr val="accent3"/>
+                </a:solidFill>
+                <a:latin typeface="Proxima Nova"/>
+                <a:ea typeface="Proxima Nova"/>
+                <a:cs typeface="Proxima Nova"/>
+                <a:sym typeface="Proxima Nova"/>
+              </a:rPr>
+              <a:t>abab</a:t>
+            </a:r>
+            <a:endParaRPr sz="1800">
+              <a:solidFill>
+                <a:schemeClr val="accent3"/>
+              </a:solidFill>
+              <a:latin typeface="Proxima Nova"/>
+              <a:ea typeface="Proxima Nova"/>
+              <a:cs typeface="Proxima Nova"/>
+              <a:sym typeface="Proxima Nova"/>
+            </a:endParaRPr>
+          </a:p>
+        </p:txBody>
+      </p:sp>
+      <p:sp>
+        <p:nvSpPr>
+          <p:cNvPr id="116" name="Google Shape;116;p20"/>
+          <p:cNvSpPr txBox="1"/>
+          <p:nvPr/>
+        </p:nvSpPr>
+        <p:spPr>
+          <a:xfrm>
+            <a:off x="311700" y="1354425"/>
+            <a:ext cx="5768700" cy="2806200"/>
+          </a:xfrm>
+          <a:prstGeom prst="rect">
+            <a:avLst/>
+          </a:prstGeom>
+          <a:noFill/>
+          <a:ln>
+            <a:noFill/>
+          </a:ln>
+        </p:spPr>
+        <p:txBody>
+          <a:bodyPr anchorCtr="0" anchor="t" bIns="91425" lIns="91425" spcFirstLastPara="1" rIns="91425" wrap="square" tIns="91425">
+            <a:normAutofit/>
+          </a:bodyPr>
+          <a:lstStyle/>
+          <a:p>
+            <a:pPr indent="-317500" lvl="0" marL="457200" rtl="0" algn="l">
+              <a:spcBef>
+                <a:spcPts val="0"/>
+              </a:spcBef>
+              <a:spcAft>
+                <a:spcPts val="0"/>
+              </a:spcAft>
+              <a:buSzPts val="1400"/>
+              <a:buFont typeface="Proxima Nova"/>
+              <a:buAutoNum type="arabicPeriod"/>
+            </a:pPr>
+            <a:r>
+              <a:rPr lang="ru">
+                <a:latin typeface="Proxima Nova"/>
+                <a:ea typeface="Proxima Nova"/>
+                <a:cs typeface="Proxima Nova"/>
+                <a:sym typeface="Proxima Nova"/>
+              </a:rPr>
+              <a:t>Применяем префикс-функцию, очевидным образом получаем</a:t>
+            </a:r>
+            <a:endParaRPr>
+              <a:latin typeface="Proxima Nova"/>
+              <a:ea typeface="Proxima Nova"/>
+              <a:cs typeface="Proxima Nova"/>
+              <a:sym typeface="Proxima Nova"/>
+            </a:endParaRPr>
+          </a:p>
+          <a:p>
+            <a:pPr indent="-317500" lvl="0" marL="457200" rtl="0" algn="l">
+              <a:spcBef>
+                <a:spcPts val="0"/>
+              </a:spcBef>
+              <a:spcAft>
+                <a:spcPts val="0"/>
+              </a:spcAft>
+              <a:buSzPts val="1400"/>
+              <a:buFont typeface="Proxima Nova"/>
+              <a:buAutoNum type="arabicPeriod"/>
+            </a:pPr>
+            <a:r>
+              <a:rPr lang="ru">
+                <a:latin typeface="Proxima Nova"/>
+                <a:ea typeface="Proxima Nova"/>
+                <a:cs typeface="Proxima Nova"/>
+                <a:sym typeface="Proxima Nova"/>
+              </a:rPr>
+              <a:t>Применяем основной метод</a:t>
+            </a:r>
+            <a:endParaRPr>
+              <a:latin typeface="Proxima Nova"/>
+              <a:ea typeface="Proxima Nova"/>
+              <a:cs typeface="Proxima Nova"/>
+              <a:sym typeface="Proxima Nova"/>
+            </a:endParaRPr>
+          </a:p>
+          <a:p>
+            <a:pPr indent="-317500" lvl="1" marL="914400" rtl="0" algn="l">
+              <a:spcBef>
+                <a:spcPts val="0"/>
+              </a:spcBef>
+              <a:spcAft>
+                <a:spcPts val="0"/>
+              </a:spcAft>
+              <a:buSzPts val="1400"/>
+              <a:buFont typeface="Proxima Nova"/>
+              <a:buChar char="➢"/>
+            </a:pPr>
+            <a:r>
+              <a:rPr lang="ru">
+                <a:latin typeface="Proxima Nova"/>
+                <a:ea typeface="Proxima Nova"/>
+                <a:cs typeface="Proxima Nova"/>
+                <a:sym typeface="Proxima Nova"/>
+              </a:rPr>
+              <a:t>Первые 4 символа совпадают, поэтому после полного сравнения добавляем в список 0</a:t>
+            </a:r>
+            <a:endParaRPr>
+              <a:latin typeface="Proxima Nova"/>
+              <a:ea typeface="Proxima Nova"/>
+              <a:cs typeface="Proxima Nova"/>
+              <a:sym typeface="Proxima Nova"/>
+            </a:endParaRPr>
+          </a:p>
+          <a:p>
+            <a:pPr indent="-317500" lvl="1" marL="914400" rtl="0" algn="l">
+              <a:spcBef>
+                <a:spcPts val="0"/>
+              </a:spcBef>
+              <a:spcAft>
+                <a:spcPts val="0"/>
+              </a:spcAft>
+              <a:buSzPts val="1400"/>
+              <a:buFont typeface="Proxima Nova"/>
+              <a:buChar char="➢"/>
+            </a:pPr>
+            <a:r>
+              <a:rPr lang="ru">
+                <a:latin typeface="Proxima Nova"/>
+                <a:ea typeface="Proxima Nova"/>
+                <a:cs typeface="Proxima Nova"/>
+                <a:sym typeface="Proxima Nova"/>
+              </a:rPr>
+              <a:t>После добавления j = prefix[j - 1] =&gt; j = 2 (т.к. j был = 3) </a:t>
+            </a:r>
+            <a:endParaRPr>
+              <a:latin typeface="Proxima Nova"/>
+              <a:ea typeface="Proxima Nova"/>
+              <a:cs typeface="Proxima Nova"/>
+              <a:sym typeface="Proxima Nova"/>
+            </a:endParaRPr>
+          </a:p>
+          <a:p>
+            <a:pPr indent="-317500" lvl="1" marL="914400" rtl="0" algn="l">
+              <a:spcBef>
+                <a:spcPts val="0"/>
+              </a:spcBef>
+              <a:spcAft>
+                <a:spcPts val="0"/>
+              </a:spcAft>
+              <a:buSzPts val="1400"/>
+              <a:buFont typeface="Proxima Nova"/>
+              <a:buChar char="➢"/>
+            </a:pPr>
+            <a:r>
+              <a:rPr lang="ru">
+                <a:latin typeface="Proxima Nova"/>
+                <a:ea typeface="Proxima Nova"/>
+                <a:cs typeface="Proxima Nova"/>
+                <a:sym typeface="Proxima Nova"/>
+              </a:rPr>
+              <a:t>Следующий шаг - несовпадение =&gt; j = prefix[j - 1] =&gt; j = 0</a:t>
+            </a:r>
+            <a:endParaRPr>
+              <a:latin typeface="Proxima Nova"/>
+              <a:ea typeface="Proxima Nova"/>
+              <a:cs typeface="Proxima Nova"/>
+              <a:sym typeface="Proxima Nova"/>
+            </a:endParaRPr>
+          </a:p>
+          <a:p>
+            <a:pPr indent="-317500" lvl="1" marL="914400" rtl="0" algn="l">
+              <a:spcBef>
+                <a:spcPts val="0"/>
+              </a:spcBef>
+              <a:spcAft>
+                <a:spcPts val="0"/>
+              </a:spcAft>
+              <a:buSzPts val="1400"/>
+              <a:buFont typeface="Proxima Nova"/>
+              <a:buChar char="➢"/>
+            </a:pPr>
+            <a:r>
+              <a:rPr lang="ru">
+                <a:latin typeface="Proxima Nova"/>
+                <a:ea typeface="Proxima Nova"/>
+                <a:cs typeface="Proxima Nova"/>
+                <a:sym typeface="Proxima Nova"/>
+              </a:rPr>
+              <a:t>Повторяется, что было вначале</a:t>
+            </a:r>
+            <a:endParaRPr>
+              <a:latin typeface="Proxima Nova"/>
+              <a:ea typeface="Proxima Nova"/>
+              <a:cs typeface="Proxima Nova"/>
+              <a:sym typeface="Proxima Nova"/>
+            </a:endParaRPr>
+          </a:p>
+          <a:p>
+            <a:pPr indent="0" lvl="0" marL="914400" rtl="0" algn="l">
+              <a:spcBef>
+                <a:spcPts val="0"/>
+              </a:spcBef>
+              <a:spcAft>
+                <a:spcPts val="0"/>
+              </a:spcAft>
+              <a:buNone/>
+            </a:pPr>
+            <a:r>
+              <a:t/>
+            </a:r>
+            <a:endParaRPr>
+              <a:latin typeface="Proxima Nova"/>
+              <a:ea typeface="Proxima Nova"/>
+              <a:cs typeface="Proxima Nova"/>
+              <a:sym typeface="Proxima Nova"/>
+            </a:endParaRPr>
+          </a:p>
+          <a:p>
+            <a:pPr indent="0" lvl="0" marL="0" rtl="0" algn="l">
+              <a:spcBef>
+                <a:spcPts val="0"/>
+              </a:spcBef>
+              <a:spcAft>
+                <a:spcPts val="0"/>
+              </a:spcAft>
+              <a:buNone/>
+            </a:pPr>
+            <a:r>
+              <a:t/>
+            </a:r>
+            <a:endParaRPr>
+              <a:latin typeface="Proxima Nova"/>
+              <a:ea typeface="Proxima Nova"/>
+              <a:cs typeface="Proxima Nova"/>
+              <a:sym typeface="Proxima Nova"/>
+            </a:endParaRPr>
+          </a:p>
+        </p:txBody>
+      </p:sp>
+      <p:pic>
+        <p:nvPicPr>
+          <p:cNvPr id="117" name="Google Shape;117;p20"/>
+          <p:cNvPicPr preferRelativeResize="0"/>
+          <p:nvPr/>
+        </p:nvPicPr>
+        <p:blipFill>
+          <a:blip r:embed="rId3">
+            <a:alphaModFix/>
+          </a:blip>
+          <a:stretch>
+            <a:fillRect/>
+          </a:stretch>
+        </p:blipFill>
+        <p:spPr>
+          <a:xfrm>
+            <a:off x="6306225" y="1249725"/>
+            <a:ext cx="1238250" cy="609600"/>
+          </a:xfrm>
+          <a:prstGeom prst="rect">
+            <a:avLst/>
+          </a:prstGeom>
+          <a:noFill/>
+          <a:ln>
+            <a:noFill/>
+          </a:ln>
+        </p:spPr>
+      </p:pic>
+      <p:pic>
+        <p:nvPicPr>
+          <p:cNvPr id="118" name="Google Shape;118;p20"/>
+          <p:cNvPicPr preferRelativeResize="0"/>
+          <p:nvPr/>
+        </p:nvPicPr>
+        <p:blipFill>
+          <a:blip r:embed="rId4">
+            <a:alphaModFix/>
+          </a:blip>
+          <a:stretch>
+            <a:fillRect/>
+          </a:stretch>
+        </p:blipFill>
+        <p:spPr>
+          <a:xfrm>
+            <a:off x="6306225" y="2002525"/>
+            <a:ext cx="1800225" cy="2867025"/>
+          </a:xfrm>
+          <a:prstGeom prst="rect">
+            <a:avLst/>
+          </a:prstGeom>
+          <a:noFill/>
+          <a:ln>
+            <a:noFill/>
+          </a:ln>
+        </p:spPr>
+      </p:pic>
+    </p:spTree>
+  </p:cSld>
+  <p:clrMapOvr>
+    <a:masterClrMapping/>
+  </p:clrMapOvr>
+</p:sld>
+</file>
+
+<file path=ppt/slides/slide9.xml><?xml version="1.0" encoding="utf-8"?>
+<p:sld xmlns:a="http://schemas.openxmlformats.org/drawingml/2006/main" xmlns:r="http://schemas.openxmlformats.org/officeDocument/2006/relationships" xmlns:mc="http://schemas.openxmlformats.org/markup-compatibility/2006" xmlns:mv="urn:schemas-microsoft-com:mac:vml" xmlns:p="http://schemas.openxmlformats.org/presentationml/2006/main" xmlns:c="http://schemas.openxmlformats.org/drawingml/2006/chart" xmlns:dgm="http://schemas.openxmlformats.org/drawingml/2006/diagram" xmlns:o="urn:schemas-microsoft-com:office:office" xmlns:v="urn:schemas-microsoft-com:vml" xmlns:pvml="urn:schemas-microsoft-com:office:powerpoint" xmlns:com="http://schemas.openxmlformats.org/drawingml/2006/compatibility" xmlns:p14="http://schemas.microsoft.com/office/powerpoint/2010/main" xmlns:p15="http://schemas.microsoft.com/office/powerpoint/2012/main" xmlns:ahyp="http://schemas.microsoft.com/office/drawing/2018/hyperlinkcolor">
+  <p:cSld>
+    <p:spTree>
+      <p:nvGrpSpPr>
+        <p:cNvPr id="122" name="Shape 122"/>
+        <p:cNvGrpSpPr/>
+        <p:nvPr/>
+      </p:nvGrpSpPr>
+      <p:grpSpPr>
+        <a:xfrm>
+          <a:off x="0" y="0"/>
+          <a:ext cx="0" cy="0"/>
+          <a:chOff x="0" y="0"/>
+          <a:chExt cx="0" cy="0"/>
+        </a:xfrm>
+      </p:grpSpPr>
+      <p:sp>
+        <p:nvSpPr>
+          <p:cNvPr id="123" name="Google Shape;123;p21"/>
           <p:cNvSpPr txBox="1"/>
           <p:nvPr>
             <p:ph type="title"/>
@@ -8689,7 +9576,7 @@
       </p:sp>
       <p:pic>
         <p:nvPicPr>
-          <p:cNvPr id="108" name="Google Shape;108;p20"/>
+          <p:cNvPr id="124" name="Google Shape;124;p21"/>
           <p:cNvPicPr preferRelativeResize="0"/>
           <p:nvPr/>
         </p:nvPicPr>
@@ -8717,7 +9604,7 @@
       </p:pic>
       <p:sp>
         <p:nvSpPr>
-          <p:cNvPr id="109" name="Google Shape;109;p20"/>
+          <p:cNvPr id="125" name="Google Shape;125;p21"/>
           <p:cNvSpPr txBox="1"/>
           <p:nvPr/>
         </p:nvSpPr>
@@ -8767,6 +9654,50 @@
           </a:p>
         </p:txBody>
       </p:sp>
+      <p:sp>
+        <p:nvSpPr>
+          <p:cNvPr id="126" name="Google Shape;126;p21"/>
+          <p:cNvSpPr txBox="1"/>
+          <p:nvPr>
+            <p:ph idx="12" type="sldNum"/>
+          </p:nvPr>
+        </p:nvSpPr>
+        <p:spPr>
+          <a:xfrm>
+            <a:off x="8472458" y="4663217"/>
+            <a:ext cx="548700" cy="393600"/>
+          </a:xfrm>
+          <a:prstGeom prst="rect">
+            <a:avLst/>
+          </a:prstGeom>
+        </p:spPr>
+        <p:txBody>
+          <a:bodyPr anchorCtr="0" anchor="ctr" bIns="91425" lIns="91425" spcFirstLastPara="1" rIns="91425" wrap="square" tIns="91425">
+            <a:normAutofit/>
+          </a:bodyPr>
+          <a:lstStyle/>
+          <a:p>
+            <a:pPr indent="0" lvl="0" marL="0" rtl="0" algn="r">
+              <a:spcBef>
+                <a:spcPts val="0"/>
+              </a:spcBef>
+              <a:spcAft>
+                <a:spcPts val="0"/>
+              </a:spcAft>
+              <a:buNone/>
+            </a:pPr>
+            <a:fld id="{00000000-1234-1234-1234-123412341234}" type="slidenum">
+              <a:rPr lang="ru"/>
+              <a:t>‹#›</a:t>
+            </a:fld>
+            <a:r>
+              <a:rPr lang="ru"/>
+              <a:t>/9</a:t>
+            </a:r>
+            <a:endParaRPr/>
+          </a:p>
+        </p:txBody>
+      </p:sp>
     </p:spTree>
   </p:cSld>
   <p:clrMapOvr>
@@ -8776,6 +9707,285 @@
 </file>
 
 <file path=ppt/theme/theme1.xml><?xml version="1.0" encoding="utf-8"?>
+<a:theme xmlns:a="http://schemas.openxmlformats.org/drawingml/2006/main" xmlns:r="http://schemas.openxmlformats.org/officeDocument/2006/relationships">
+  <a:themeElements>
+    <a:clrScheme name="Default">
+      <a:dk1>
+        <a:srgbClr val="000000"/>
+      </a:dk1>
+      <a:lt1>
+        <a:srgbClr val="FFFFFF"/>
+      </a:lt1>
+      <a:dk2>
+        <a:srgbClr val="158158"/>
+      </a:dk2>
+      <a:lt2>
+        <a:srgbClr val="F3F3F3"/>
+      </a:lt2>
+      <a:accent1>
+        <a:srgbClr val="058DC7"/>
+      </a:accent1>
+      <a:accent2>
+        <a:srgbClr val="50B432"/>
+      </a:accent2>
+      <a:accent3>
+        <a:srgbClr val="ED561B"/>
+      </a:accent3>
+      <a:accent4>
+        <a:srgbClr val="EDEF00"/>
+      </a:accent4>
+      <a:accent5>
+        <a:srgbClr val="24CBE5"/>
+      </a:accent5>
+      <a:accent6>
+        <a:srgbClr val="64E572"/>
+      </a:accent6>
+      <a:hlink>
+        <a:srgbClr val="2200CC"/>
+      </a:hlink>
+      <a:folHlink>
+        <a:srgbClr val="551A8B"/>
+      </a:folHlink>
+    </a:clrScheme>
+    <a:fontScheme name="Office">
+      <a:majorFont>
+        <a:latin typeface="Arial"/>
+        <a:ea typeface=""/>
+        <a:cs typeface=""/>
+        <a:font script="Jpan" typeface="ＭＳ Ｐゴシック"/>
+        <a:font script="Hang" typeface="맑은 고딕"/>
+        <a:font script="Hans" typeface="宋体"/>
+        <a:font script="Hant" typeface="新細明體"/>
+        <a:font script="Arab" typeface="Times New Roman"/>
+        <a:font script="Hebr" typeface="Times New Roman"/>
+        <a:font script="Thai" typeface="Angsana New"/>
+        <a:font script="Ethi" typeface="Nyala"/>
+        <a:font script="Beng" typeface="Vrinda"/>
+        <a:font script="Gujr" typeface="Shruti"/>
+        <a:font script="Khmr" typeface="MoolBoran"/>
+        <a:font script="Knda" typeface="Tunga"/>
+        <a:font script="Guru" typeface="Raavi"/>
+        <a:font script="Cans" typeface="Euphemia"/>
+        <a:font script="Cher" typeface="Plantagenet Cherokee"/>
+        <a:font script="Yiii" typeface="Microsoft Yi Baiti"/>
+        <a:font script="Tibt" typeface="Microsoft Himalaya"/>
+        <a:font script="Thaa" typeface="MV Boli"/>
+        <a:font script="Deva" typeface="Mangal"/>
+        <a:font script="Telu" typeface="Gautami"/>
+        <a:font script="Taml" typeface="Latha"/>
+        <a:font script="Syrc" typeface="Estrangelo Edessa"/>
+        <a:font script="Orya" typeface="Kalinga"/>
+        <a:font script="Mlym" typeface="Kartika"/>
+        <a:font script="Laoo" typeface="DokChampa"/>
+        <a:font script="Sinh" typeface="Iskoola Pota"/>
+        <a:font script="Mong" typeface="Mongolian Baiti"/>
+        <a:font script="Viet" typeface="Times New Roman"/>
+        <a:font script="Uigh" typeface="Microsoft Uighur"/>
+        <a:font script="Geor" typeface="Sylfaen"/>
+      </a:majorFont>
+      <a:minorFont>
+        <a:latin typeface="Arial"/>
+        <a:ea typeface=""/>
+        <a:cs typeface=""/>
+        <a:font script="Jpan" typeface="ＭＳ Ｐゴシック"/>
+        <a:font script="Hang" typeface="맑은 고딕"/>
+        <a:font script="Hans" typeface="宋体"/>
+        <a:font script="Hant" typeface="新細明體"/>
+        <a:font script="Arab" typeface="Arial"/>
+        <a:font script="Hebr" typeface="Arial"/>
+        <a:font script="Thai" typeface="Cordia New"/>
+        <a:font script="Ethi" typeface="Nyala"/>
+        <a:font script="Beng" typeface="Vrinda"/>
+        <a:font script="Gujr" typeface="Shruti"/>
+        <a:font script="Khmr" typeface="DaunPenh"/>
+        <a:font script="Knda" typeface="Tunga"/>
+        <a:font script="Guru" typeface="Raavi"/>
+        <a:font script="Cans" typeface="Euphemia"/>
+        <a:font script="Cher" typeface="Plantagenet Cherokee"/>
+        <a:font script="Yiii" typeface="Microsoft Yi Baiti"/>
+        <a:font script="Tibt" typeface="Microsoft Himalaya"/>
+        <a:font script="Thaa" typeface="MV Boli"/>
+        <a:font script="Deva" typeface="Mangal"/>
+        <a:font script="Telu" typeface="Gautami"/>
+        <a:font script="Taml" typeface="Latha"/>
+        <a:font script="Syrc" typeface="Estrangelo Edessa"/>
+        <a:font script="Orya" typeface="Kalinga"/>
+        <a:font script="Mlym" typeface="Kartika"/>
+        <a:font script="Laoo" typeface="DokChampa"/>
+        <a:font script="Sinh" typeface="Iskoola Pota"/>
+        <a:font script="Mong" typeface="Mongolian Baiti"/>
+        <a:font script="Viet" typeface="Arial"/>
+        <a:font script="Uigh" typeface="Microsoft Uighur"/>
+        <a:font script="Geor" typeface="Sylfaen"/>
+      </a:minorFont>
+    </a:fontScheme>
+    <a:fmtScheme name="Office">
+      <a:fillStyleLst>
+        <a:solidFill>
+          <a:schemeClr val="phClr"/>
+        </a:solidFill>
+        <a:gradFill rotWithShape="1">
+          <a:gsLst>
+            <a:gs pos="0">
+              <a:schemeClr val="phClr">
+                <a:tint val="50000"/>
+                <a:satMod val="300000"/>
+              </a:schemeClr>
+            </a:gs>
+            <a:gs pos="35000">
+              <a:schemeClr val="phClr">
+                <a:tint val="37000"/>
+                <a:satMod val="300000"/>
+              </a:schemeClr>
+            </a:gs>
+            <a:gs pos="100000">
+              <a:schemeClr val="phClr">
+                <a:tint val="15000"/>
+                <a:satMod val="350000"/>
+              </a:schemeClr>
+            </a:gs>
+          </a:gsLst>
+          <a:lin ang="16200000" scaled="1"/>
+        </a:gradFill>
+        <a:gradFill rotWithShape="1">
+          <a:gsLst>
+            <a:gs pos="0">
+              <a:schemeClr val="phClr">
+                <a:tint val="100000"/>
+                <a:shade val="100000"/>
+                <a:satMod val="130000"/>
+              </a:schemeClr>
+            </a:gs>
+            <a:gs pos="100000">
+              <a:schemeClr val="phClr">
+                <a:tint val="50000"/>
+                <a:shade val="100000"/>
+                <a:satMod val="350000"/>
+              </a:schemeClr>
+            </a:gs>
+          </a:gsLst>
+          <a:lin ang="16200000" scaled="0"/>
+        </a:gradFill>
+      </a:fillStyleLst>
+      <a:lnStyleLst>
+        <a:ln w="9525" cap="flat" cmpd="sng" algn="ctr">
+          <a:solidFill>
+            <a:schemeClr val="phClr">
+              <a:shade val="95000"/>
+              <a:satMod val="105000"/>
+            </a:schemeClr>
+          </a:solidFill>
+          <a:prstDash val="solid"/>
+        </a:ln>
+        <a:ln w="25400" cap="flat" cmpd="sng" algn="ctr">
+          <a:solidFill>
+            <a:schemeClr val="phClr"/>
+          </a:solidFill>
+          <a:prstDash val="solid"/>
+        </a:ln>
+        <a:ln w="38100" cap="flat" cmpd="sng" algn="ctr">
+          <a:solidFill>
+            <a:schemeClr val="phClr"/>
+          </a:solidFill>
+          <a:prstDash val="solid"/>
+        </a:ln>
+      </a:lnStyleLst>
+      <a:effectStyleLst>
+        <a:effectStyle>
+          <a:effectLst>
+            <a:outerShdw blurRad="40000" dist="20000" dir="5400000" rotWithShape="0">
+              <a:srgbClr val="000000">
+                <a:alpha val="38000"/>
+              </a:srgbClr>
+            </a:outerShdw>
+          </a:effectLst>
+        </a:effectStyle>
+        <a:effectStyle>
+          <a:effectLst>
+            <a:outerShdw blurRad="40000" dist="23000" dir="5400000" rotWithShape="0">
+              <a:srgbClr val="000000">
+                <a:alpha val="35000"/>
+              </a:srgbClr>
+            </a:outerShdw>
+          </a:effectLst>
+        </a:effectStyle>
+        <a:effectStyle>
+          <a:effectLst>
+            <a:outerShdw blurRad="40000" dist="23000" dir="5400000" rotWithShape="0">
+              <a:srgbClr val="000000">
+                <a:alpha val="35000"/>
+              </a:srgbClr>
+            </a:outerShdw>
+          </a:effectLst>
+          <a:scene3d>
+            <a:camera prst="orthographicFront">
+              <a:rot lat="0" lon="0" rev="0"/>
+            </a:camera>
+            <a:lightRig rig="threePt" dir="t">
+              <a:rot lat="0" lon="0" rev="1200000"/>
+            </a:lightRig>
+          </a:scene3d>
+          <a:sp3d>
+            <a:bevelT w="63500" h="25400"/>
+          </a:sp3d>
+        </a:effectStyle>
+      </a:effectStyleLst>
+      <a:bgFillStyleLst>
+        <a:solidFill>
+          <a:schemeClr val="phClr"/>
+        </a:solidFill>
+        <a:gradFill rotWithShape="1">
+          <a:gsLst>
+            <a:gs pos="0">
+              <a:schemeClr val="phClr">
+                <a:tint val="40000"/>
+                <a:satMod val="350000"/>
+              </a:schemeClr>
+            </a:gs>
+            <a:gs pos="40000">
+              <a:schemeClr val="phClr">
+                <a:tint val="45000"/>
+                <a:shade val="99000"/>
+                <a:satMod val="350000"/>
+              </a:schemeClr>
+            </a:gs>
+            <a:gs pos="100000">
+              <a:schemeClr val="phClr">
+                <a:shade val="20000"/>
+                <a:satMod val="255000"/>
+              </a:schemeClr>
+            </a:gs>
+          </a:gsLst>
+          <a:path path="circle">
+            <a:fillToRect l="50000" t="-80000" r="50000" b="180000"/>
+          </a:path>
+        </a:gradFill>
+        <a:gradFill rotWithShape="1">
+          <a:gsLst>
+            <a:gs pos="0">
+              <a:schemeClr val="phClr">
+                <a:tint val="80000"/>
+                <a:satMod val="300000"/>
+              </a:schemeClr>
+            </a:gs>
+            <a:gs pos="100000">
+              <a:schemeClr val="phClr">
+                <a:shade val="30000"/>
+                <a:satMod val="200000"/>
+              </a:schemeClr>
+            </a:gs>
+          </a:gsLst>
+          <a:path path="circle">
+            <a:fillToRect l="50000" t="50000" r="50000" b="50000"/>
+          </a:path>
+        </a:gradFill>
+      </a:bgFillStyleLst>
+    </a:fmtScheme>
+  </a:themeElements>
+</a:theme>
+</file>
+
+<file path=ppt/theme/theme2.xml><?xml version="1.0" encoding="utf-8"?>
 <a:theme xmlns:a="http://schemas.openxmlformats.org/drawingml/2006/main" xmlns:r="http://schemas.openxmlformats.org/officeDocument/2006/relationships" name="Gameday">
   <a:themeElements>
     <a:clrScheme name="Gameday">
@@ -9052,283 +10262,4 @@
     </a:fmtScheme>
   </a:themeElements>
 </a:theme>
-</file>
-
-<file path=ppt/theme/theme2.xml><?xml version="1.0" encoding="utf-8"?>
-<a:theme xmlns:a="http://schemas.openxmlformats.org/drawingml/2006/main" xmlns:r="http://schemas.openxmlformats.org/officeDocument/2006/relationships">
-  <a:themeElements>
-    <a:clrScheme name="Default">
-      <a:dk1>
-        <a:srgbClr val="000000"/>
-      </a:dk1>
-      <a:lt1>
-        <a:srgbClr val="FFFFFF"/>
-      </a:lt1>
-      <a:dk2>
-        <a:srgbClr val="158158"/>
-      </a:dk2>
-      <a:lt2>
-        <a:srgbClr val="F3F3F3"/>
-      </a:lt2>
-      <a:accent1>
-        <a:srgbClr val="058DC7"/>
-      </a:accent1>
-      <a:accent2>
-        <a:srgbClr val="50B432"/>
-      </a:accent2>
-      <a:accent3>
-        <a:srgbClr val="ED561B"/>
-      </a:accent3>
-      <a:accent4>
-        <a:srgbClr val="EDEF00"/>
-      </a:accent4>
-      <a:accent5>
-        <a:srgbClr val="24CBE5"/>
-      </a:accent5>
-      <a:accent6>
-        <a:srgbClr val="64E572"/>
-      </a:accent6>
-      <a:hlink>
-        <a:srgbClr val="2200CC"/>
-      </a:hlink>
-      <a:folHlink>
-        <a:srgbClr val="551A8B"/>
-      </a:folHlink>
-    </a:clrScheme>
-    <a:fontScheme name="Office">
-      <a:majorFont>
-        <a:latin typeface="Arial"/>
-        <a:ea typeface=""/>
-        <a:cs typeface=""/>
-        <a:font script="Jpan" typeface="ＭＳ Ｐゴシック"/>
-        <a:font script="Hang" typeface="맑은 고딕"/>
-        <a:font script="Hans" typeface="宋体"/>
-        <a:font script="Hant" typeface="新細明體"/>
-        <a:font script="Arab" typeface="Times New Roman"/>
-        <a:font script="Hebr" typeface="Times New Roman"/>
-        <a:font script="Thai" typeface="Angsana New"/>
-        <a:font script="Ethi" typeface="Nyala"/>
-        <a:font script="Beng" typeface="Vrinda"/>
-        <a:font script="Gujr" typeface="Shruti"/>
-        <a:font script="Khmr" typeface="MoolBoran"/>
-        <a:font script="Knda" typeface="Tunga"/>
-        <a:font script="Guru" typeface="Raavi"/>
-        <a:font script="Cans" typeface="Euphemia"/>
-        <a:font script="Cher" typeface="Plantagenet Cherokee"/>
-        <a:font script="Yiii" typeface="Microsoft Yi Baiti"/>
-        <a:font script="Tibt" typeface="Microsoft Himalaya"/>
-        <a:font script="Thaa" typeface="MV Boli"/>
-        <a:font script="Deva" typeface="Mangal"/>
-        <a:font script="Telu" typeface="Gautami"/>
-        <a:font script="Taml" typeface="Latha"/>
-        <a:font script="Syrc" typeface="Estrangelo Edessa"/>
-        <a:font script="Orya" typeface="Kalinga"/>
-        <a:font script="Mlym" typeface="Kartika"/>
-        <a:font script="Laoo" typeface="DokChampa"/>
-        <a:font script="Sinh" typeface="Iskoola Pota"/>
-        <a:font script="Mong" typeface="Mongolian Baiti"/>
-        <a:font script="Viet" typeface="Times New Roman"/>
-        <a:font script="Uigh" typeface="Microsoft Uighur"/>
-        <a:font script="Geor" typeface="Sylfaen"/>
-      </a:majorFont>
-      <a:minorFont>
-        <a:latin typeface="Arial"/>
-        <a:ea typeface=""/>
-        <a:cs typeface=""/>
-        <a:font script="Jpan" typeface="ＭＳ Ｐゴシック"/>
-        <a:font script="Hang" typeface="맑은 고딕"/>
-        <a:font script="Hans" typeface="宋体"/>
-        <a:font script="Hant" typeface="新細明體"/>
-        <a:font script="Arab" typeface="Arial"/>
-        <a:font script="Hebr" typeface="Arial"/>
-        <a:font script="Thai" typeface="Cordia New"/>
-        <a:font script="Ethi" typeface="Nyala"/>
-        <a:font script="Beng" typeface="Vrinda"/>
-        <a:font script="Gujr" typeface="Shruti"/>
-        <a:font script="Khmr" typeface="DaunPenh"/>
-        <a:font script="Knda" typeface="Tunga"/>
-        <a:font script="Guru" typeface="Raavi"/>
-        <a:font script="Cans" typeface="Euphemia"/>
-        <a:font script="Cher" typeface="Plantagenet Cherokee"/>
-        <a:font script="Yiii" typeface="Microsoft Yi Baiti"/>
-        <a:font script="Tibt" typeface="Microsoft Himalaya"/>
-        <a:font script="Thaa" typeface="MV Boli"/>
-        <a:font script="Deva" typeface="Mangal"/>
-        <a:font script="Telu" typeface="Gautami"/>
-        <a:font script="Taml" typeface="Latha"/>
-        <a:font script="Syrc" typeface="Estrangelo Edessa"/>
-        <a:font script="Orya" typeface="Kalinga"/>
-        <a:font script="Mlym" typeface="Kartika"/>
-        <a:font script="Laoo" typeface="DokChampa"/>
-        <a:font script="Sinh" typeface="Iskoola Pota"/>
-        <a:font script="Mong" typeface="Mongolian Baiti"/>
-        <a:font script="Viet" typeface="Arial"/>
-        <a:font script="Uigh" typeface="Microsoft Uighur"/>
-        <a:font script="Geor" typeface="Sylfaen"/>
-      </a:minorFont>
-    </a:fontScheme>
-    <a:fmtScheme name="Office">
-      <a:fillStyleLst>
-        <a:solidFill>
-          <a:schemeClr val="phClr"/>
-        </a:solidFill>
-        <a:gradFill rotWithShape="1">
-          <a:gsLst>
-            <a:gs pos="0">
-              <a:schemeClr val="phClr">
-                <a:tint val="50000"/>
-                <a:satMod val="300000"/>
-              </a:schemeClr>
-            </a:gs>
-            <a:gs pos="35000">
-              <a:schemeClr val="phClr">
-                <a:tint val="37000"/>
-                <a:satMod val="300000"/>
-              </a:schemeClr>
-            </a:gs>
-            <a:gs pos="100000">
-              <a:schemeClr val="phClr">
-                <a:tint val="15000"/>
-                <a:satMod val="350000"/>
-              </a:schemeClr>
-            </a:gs>
-          </a:gsLst>
-          <a:lin ang="16200000" scaled="1"/>
-        </a:gradFill>
-        <a:gradFill rotWithShape="1">
-          <a:gsLst>
-            <a:gs pos="0">
-              <a:schemeClr val="phClr">
-                <a:tint val="100000"/>
-                <a:shade val="100000"/>
-                <a:satMod val="130000"/>
-              </a:schemeClr>
-            </a:gs>
-            <a:gs pos="100000">
-              <a:schemeClr val="phClr">
-                <a:tint val="50000"/>
-                <a:shade val="100000"/>
-                <a:satMod val="350000"/>
-              </a:schemeClr>
-            </a:gs>
-          </a:gsLst>
-          <a:lin ang="16200000" scaled="0"/>
-        </a:gradFill>
-      </a:fillStyleLst>
-      <a:lnStyleLst>
-        <a:ln w="9525" cap="flat" cmpd="sng" algn="ctr">
-          <a:solidFill>
-            <a:schemeClr val="phClr">
-              <a:shade val="95000"/>
-              <a:satMod val="105000"/>
-            </a:schemeClr>
-          </a:solidFill>
-          <a:prstDash val="solid"/>
-        </a:ln>
-        <a:ln w="25400" cap="flat" cmpd="sng" algn="ctr">
-          <a:solidFill>
-            <a:schemeClr val="phClr"/>
-          </a:solidFill>
-          <a:prstDash val="solid"/>
-        </a:ln>
-        <a:ln w="38100" cap="flat" cmpd="sng" algn="ctr">
-          <a:solidFill>
-            <a:schemeClr val="phClr"/>
-          </a:solidFill>
-          <a:prstDash val="solid"/>
-        </a:ln>
-      </a:lnStyleLst>
-      <a:effectStyleLst>
-        <a:effectStyle>
-          <a:effectLst>
-            <a:outerShdw blurRad="40000" dist="20000" dir="5400000" rotWithShape="0">
-              <a:srgbClr val="000000">
-                <a:alpha val="38000"/>
-              </a:srgbClr>
-            </a:outerShdw>
-          </a:effectLst>
-        </a:effectStyle>
-        <a:effectStyle>
-          <a:effectLst>
-            <a:outerShdw blurRad="40000" dist="23000" dir="5400000" rotWithShape="0">
-              <a:srgbClr val="000000">
-                <a:alpha val="35000"/>
-              </a:srgbClr>
-            </a:outerShdw>
-          </a:effectLst>
-        </a:effectStyle>
-        <a:effectStyle>
-          <a:effectLst>
-            <a:outerShdw blurRad="40000" dist="23000" dir="5400000" rotWithShape="0">
-              <a:srgbClr val="000000">
-                <a:alpha val="35000"/>
-              </a:srgbClr>
-            </a:outerShdw>
-          </a:effectLst>
-          <a:scene3d>
-            <a:camera prst="orthographicFront">
-              <a:rot lat="0" lon="0" rev="0"/>
-            </a:camera>
-            <a:lightRig rig="threePt" dir="t">
-              <a:rot lat="0" lon="0" rev="1200000"/>
-            </a:lightRig>
-          </a:scene3d>
-          <a:sp3d>
-            <a:bevelT w="63500" h="25400"/>
-          </a:sp3d>
-        </a:effectStyle>
-      </a:effectStyleLst>
-      <a:bgFillStyleLst>
-        <a:solidFill>
-          <a:schemeClr val="phClr"/>
-        </a:solidFill>
-        <a:gradFill rotWithShape="1">
-          <a:gsLst>
-            <a:gs pos="0">
-              <a:schemeClr val="phClr">
-                <a:tint val="40000"/>
-                <a:satMod val="350000"/>
-              </a:schemeClr>
-            </a:gs>
-            <a:gs pos="40000">
-              <a:schemeClr val="phClr">
-                <a:tint val="45000"/>
-                <a:shade val="99000"/>
-                <a:satMod val="350000"/>
-              </a:schemeClr>
-            </a:gs>
-            <a:gs pos="100000">
-              <a:schemeClr val="phClr">
-                <a:shade val="20000"/>
-                <a:satMod val="255000"/>
-              </a:schemeClr>
-            </a:gs>
-          </a:gsLst>
-          <a:path path="circle">
-            <a:fillToRect l="50000" t="-80000" r="50000" b="180000"/>
-          </a:path>
-        </a:gradFill>
-        <a:gradFill rotWithShape="1">
-          <a:gsLst>
-            <a:gs pos="0">
-              <a:schemeClr val="phClr">
-                <a:tint val="80000"/>
-                <a:satMod val="300000"/>
-              </a:schemeClr>
-            </a:gs>
-            <a:gs pos="100000">
-              <a:schemeClr val="phClr">
-                <a:shade val="30000"/>
-                <a:satMod val="200000"/>
-              </a:schemeClr>
-            </a:gs>
-          </a:gsLst>
-          <a:path path="circle">
-            <a:fillToRect l="50000" t="50000" r="50000" b="50000"/>
-          </a:path>
-        </a:gradFill>
-      </a:bgFillStyleLst>
-    </a:fmtScheme>
-  </a:themeElements>
-</a:theme>
 </file>